--- a/조건부기대값 임용고시 2014.pptx
+++ b/조건부기대값 임용고시 2014.pptx
@@ -8,15 +8,25 @@
     <p:sldId id="256" r:id="rId2"/>
     <p:sldId id="277" r:id="rId3"/>
     <p:sldId id="257" r:id="rId4"/>
-    <p:sldId id="264" r:id="rId5"/>
-    <p:sldId id="271" r:id="rId6"/>
-    <p:sldId id="270" r:id="rId7"/>
-    <p:sldId id="272" r:id="rId8"/>
-    <p:sldId id="274" r:id="rId9"/>
-    <p:sldId id="273" r:id="rId10"/>
-    <p:sldId id="266" r:id="rId11"/>
-    <p:sldId id="276" r:id="rId12"/>
-    <p:sldId id="275" r:id="rId13"/>
+    <p:sldId id="283" r:id="rId5"/>
+    <p:sldId id="298" r:id="rId6"/>
+    <p:sldId id="299" r:id="rId7"/>
+    <p:sldId id="300" r:id="rId8"/>
+    <p:sldId id="301" r:id="rId9"/>
+    <p:sldId id="302" r:id="rId10"/>
+    <p:sldId id="303" r:id="rId11"/>
+    <p:sldId id="274" r:id="rId12"/>
+    <p:sldId id="284" r:id="rId13"/>
+    <p:sldId id="285" r:id="rId14"/>
+    <p:sldId id="286" r:id="rId15"/>
+    <p:sldId id="287" r:id="rId16"/>
+    <p:sldId id="288" r:id="rId17"/>
+    <p:sldId id="292" r:id="rId18"/>
+    <p:sldId id="293" r:id="rId19"/>
+    <p:sldId id="294" r:id="rId20"/>
+    <p:sldId id="295" r:id="rId21"/>
+    <p:sldId id="296" r:id="rId22"/>
+    <p:sldId id="297" r:id="rId23"/>
   </p:sldIdLst>
   <p:sldSz cx="12192000" cy="6858000"/>
   <p:notesSz cx="6858000" cy="9144000"/>
@@ -165,10 +175,9 @@
           </a:lstStyle>
           <a:p>
             <a:r>
-              <a:rPr lang="en-US" smtClean="0"/>
+              <a:rPr lang="en-US"/>
               <a:t>Click to edit Master title style</a:t>
             </a:r>
-            <a:endParaRPr lang="en-US"/>
           </a:p>
         </p:txBody>
       </p:sp>
@@ -230,10 +239,9 @@
           </a:lstStyle>
           <a:p>
             <a:r>
-              <a:rPr lang="en-US" smtClean="0"/>
+              <a:rPr lang="en-US"/>
               <a:t>Click to edit Master subtitle style</a:t>
             </a:r>
-            <a:endParaRPr lang="en-US"/>
           </a:p>
         </p:txBody>
       </p:sp>
@@ -254,7 +262,7 @@
           <a:p>
             <a:fld id="{5B3AD1D6-AE87-C841-B3FD-7C9F7FCAE5AE}" type="datetimeFigureOut">
               <a:rPr lang="en-US" smtClean="0"/>
-              <a:t>12/15/19</a:t>
+              <a:t>12/17/19</a:t>
             </a:fld>
             <a:endParaRPr lang="en-US"/>
           </a:p>
@@ -348,10 +356,9 @@
           <a:lstStyle/>
           <a:p>
             <a:r>
-              <a:rPr lang="en-US" smtClean="0"/>
+              <a:rPr lang="en-US"/>
               <a:t>Click to edit Master title style</a:t>
             </a:r>
-            <a:endParaRPr lang="en-US"/>
           </a:p>
         </p:txBody>
       </p:sp>
@@ -372,38 +379,37 @@
           <a:p>
             <a:pPr lvl="0"/>
             <a:r>
-              <a:rPr lang="en-US" smtClean="0"/>
+              <a:rPr lang="en-US"/>
               <a:t>Click to edit Master text styles</a:t>
             </a:r>
           </a:p>
           <a:p>
             <a:pPr lvl="1"/>
             <a:r>
-              <a:rPr lang="en-US" smtClean="0"/>
+              <a:rPr lang="en-US"/>
               <a:t>Second level</a:t>
             </a:r>
           </a:p>
           <a:p>
             <a:pPr lvl="2"/>
             <a:r>
-              <a:rPr lang="en-US" smtClean="0"/>
+              <a:rPr lang="en-US"/>
               <a:t>Third level</a:t>
             </a:r>
           </a:p>
           <a:p>
             <a:pPr lvl="3"/>
             <a:r>
-              <a:rPr lang="en-US" smtClean="0"/>
+              <a:rPr lang="en-US"/>
               <a:t>Fourth level</a:t>
             </a:r>
           </a:p>
           <a:p>
             <a:pPr lvl="4"/>
             <a:r>
-              <a:rPr lang="en-US" smtClean="0"/>
+              <a:rPr lang="en-US"/>
               <a:t>Fifth level</a:t>
             </a:r>
-            <a:endParaRPr lang="en-US"/>
           </a:p>
         </p:txBody>
       </p:sp>
@@ -424,7 +430,7 @@
           <a:p>
             <a:fld id="{5B3AD1D6-AE87-C841-B3FD-7C9F7FCAE5AE}" type="datetimeFigureOut">
               <a:rPr lang="en-US" smtClean="0"/>
-              <a:t>12/15/19</a:t>
+              <a:t>12/17/19</a:t>
             </a:fld>
             <a:endParaRPr lang="en-US"/>
           </a:p>
@@ -523,10 +529,9 @@
           <a:lstStyle/>
           <a:p>
             <a:r>
-              <a:rPr lang="en-US" smtClean="0"/>
+              <a:rPr lang="en-US"/>
               <a:t>Click to edit Master title style</a:t>
             </a:r>
-            <a:endParaRPr lang="en-US"/>
           </a:p>
         </p:txBody>
       </p:sp>
@@ -552,38 +557,37 @@
           <a:p>
             <a:pPr lvl="0"/>
             <a:r>
-              <a:rPr lang="en-US" smtClean="0"/>
+              <a:rPr lang="en-US"/>
               <a:t>Click to edit Master text styles</a:t>
             </a:r>
           </a:p>
           <a:p>
             <a:pPr lvl="1"/>
             <a:r>
-              <a:rPr lang="en-US" smtClean="0"/>
+              <a:rPr lang="en-US"/>
               <a:t>Second level</a:t>
             </a:r>
           </a:p>
           <a:p>
             <a:pPr lvl="2"/>
             <a:r>
-              <a:rPr lang="en-US" smtClean="0"/>
+              <a:rPr lang="en-US"/>
               <a:t>Third level</a:t>
             </a:r>
           </a:p>
           <a:p>
             <a:pPr lvl="3"/>
             <a:r>
-              <a:rPr lang="en-US" smtClean="0"/>
+              <a:rPr lang="en-US"/>
               <a:t>Fourth level</a:t>
             </a:r>
           </a:p>
           <a:p>
             <a:pPr lvl="4"/>
             <a:r>
-              <a:rPr lang="en-US" smtClean="0"/>
+              <a:rPr lang="en-US"/>
               <a:t>Fifth level</a:t>
             </a:r>
-            <a:endParaRPr lang="en-US"/>
           </a:p>
         </p:txBody>
       </p:sp>
@@ -604,7 +608,7 @@
           <a:p>
             <a:fld id="{5B3AD1D6-AE87-C841-B3FD-7C9F7FCAE5AE}" type="datetimeFigureOut">
               <a:rPr lang="en-US" smtClean="0"/>
-              <a:t>12/15/19</a:t>
+              <a:t>12/17/19</a:t>
             </a:fld>
             <a:endParaRPr lang="en-US"/>
           </a:p>
@@ -698,10 +702,9 @@
           <a:lstStyle/>
           <a:p>
             <a:r>
-              <a:rPr lang="en-US" smtClean="0"/>
+              <a:rPr lang="en-US"/>
               <a:t>Click to edit Master title style</a:t>
             </a:r>
-            <a:endParaRPr lang="en-US"/>
           </a:p>
         </p:txBody>
       </p:sp>
@@ -722,38 +725,37 @@
           <a:p>
             <a:pPr lvl="0"/>
             <a:r>
-              <a:rPr lang="en-US" smtClean="0"/>
+              <a:rPr lang="en-US"/>
               <a:t>Click to edit Master text styles</a:t>
             </a:r>
           </a:p>
           <a:p>
             <a:pPr lvl="1"/>
             <a:r>
-              <a:rPr lang="en-US" smtClean="0"/>
+              <a:rPr lang="en-US"/>
               <a:t>Second level</a:t>
             </a:r>
           </a:p>
           <a:p>
             <a:pPr lvl="2"/>
             <a:r>
-              <a:rPr lang="en-US" smtClean="0"/>
+              <a:rPr lang="en-US"/>
               <a:t>Third level</a:t>
             </a:r>
           </a:p>
           <a:p>
             <a:pPr lvl="3"/>
             <a:r>
-              <a:rPr lang="en-US" smtClean="0"/>
+              <a:rPr lang="en-US"/>
               <a:t>Fourth level</a:t>
             </a:r>
           </a:p>
           <a:p>
             <a:pPr lvl="4"/>
             <a:r>
-              <a:rPr lang="en-US" smtClean="0"/>
+              <a:rPr lang="en-US"/>
               <a:t>Fifth level</a:t>
             </a:r>
-            <a:endParaRPr lang="en-US"/>
           </a:p>
         </p:txBody>
       </p:sp>
@@ -774,7 +776,7 @@
           <a:p>
             <a:fld id="{5B3AD1D6-AE87-C841-B3FD-7C9F7FCAE5AE}" type="datetimeFigureOut">
               <a:rPr lang="en-US" smtClean="0"/>
-              <a:t>12/15/19</a:t>
+              <a:t>12/17/19</a:t>
             </a:fld>
             <a:endParaRPr lang="en-US"/>
           </a:p>
@@ -877,10 +879,9 @@
           </a:lstStyle>
           <a:p>
             <a:r>
-              <a:rPr lang="en-US" smtClean="0"/>
+              <a:rPr lang="en-US"/>
               <a:t>Click to edit Master title style</a:t>
             </a:r>
-            <a:endParaRPr lang="en-US"/>
           </a:p>
         </p:txBody>
       </p:sp>
@@ -997,7 +998,7 @@
           <a:p>
             <a:pPr lvl="0"/>
             <a:r>
-              <a:rPr lang="en-US" smtClean="0"/>
+              <a:rPr lang="en-US"/>
               <a:t>Click to edit Master text styles</a:t>
             </a:r>
           </a:p>
@@ -1020,7 +1021,7 @@
           <a:p>
             <a:fld id="{5B3AD1D6-AE87-C841-B3FD-7C9F7FCAE5AE}" type="datetimeFigureOut">
               <a:rPr lang="en-US" smtClean="0"/>
-              <a:t>12/15/19</a:t>
+              <a:t>12/17/19</a:t>
             </a:fld>
             <a:endParaRPr lang="en-US"/>
           </a:p>
@@ -1114,10 +1115,9 @@
           <a:lstStyle/>
           <a:p>
             <a:r>
-              <a:rPr lang="en-US" smtClean="0"/>
+              <a:rPr lang="en-US"/>
               <a:t>Click to edit Master title style</a:t>
             </a:r>
-            <a:endParaRPr lang="en-US"/>
           </a:p>
         </p:txBody>
       </p:sp>
@@ -1143,38 +1143,37 @@
           <a:p>
             <a:pPr lvl="0"/>
             <a:r>
-              <a:rPr lang="en-US" smtClean="0"/>
+              <a:rPr lang="en-US"/>
               <a:t>Click to edit Master text styles</a:t>
             </a:r>
           </a:p>
           <a:p>
             <a:pPr lvl="1"/>
             <a:r>
-              <a:rPr lang="en-US" smtClean="0"/>
+              <a:rPr lang="en-US"/>
               <a:t>Second level</a:t>
             </a:r>
           </a:p>
           <a:p>
             <a:pPr lvl="2"/>
             <a:r>
-              <a:rPr lang="en-US" smtClean="0"/>
+              <a:rPr lang="en-US"/>
               <a:t>Third level</a:t>
             </a:r>
           </a:p>
           <a:p>
             <a:pPr lvl="3"/>
             <a:r>
-              <a:rPr lang="en-US" smtClean="0"/>
+              <a:rPr lang="en-US"/>
               <a:t>Fourth level</a:t>
             </a:r>
           </a:p>
           <a:p>
             <a:pPr lvl="4"/>
             <a:r>
-              <a:rPr lang="en-US" smtClean="0"/>
+              <a:rPr lang="en-US"/>
               <a:t>Fifth level</a:t>
             </a:r>
-            <a:endParaRPr lang="en-US"/>
           </a:p>
         </p:txBody>
       </p:sp>
@@ -1200,38 +1199,37 @@
           <a:p>
             <a:pPr lvl="0"/>
             <a:r>
-              <a:rPr lang="en-US" smtClean="0"/>
+              <a:rPr lang="en-US"/>
               <a:t>Click to edit Master text styles</a:t>
             </a:r>
           </a:p>
           <a:p>
             <a:pPr lvl="1"/>
             <a:r>
-              <a:rPr lang="en-US" smtClean="0"/>
+              <a:rPr lang="en-US"/>
               <a:t>Second level</a:t>
             </a:r>
           </a:p>
           <a:p>
             <a:pPr lvl="2"/>
             <a:r>
-              <a:rPr lang="en-US" smtClean="0"/>
+              <a:rPr lang="en-US"/>
               <a:t>Third level</a:t>
             </a:r>
           </a:p>
           <a:p>
             <a:pPr lvl="3"/>
             <a:r>
-              <a:rPr lang="en-US" smtClean="0"/>
+              <a:rPr lang="en-US"/>
               <a:t>Fourth level</a:t>
             </a:r>
           </a:p>
           <a:p>
             <a:pPr lvl="4"/>
             <a:r>
-              <a:rPr lang="en-US" smtClean="0"/>
+              <a:rPr lang="en-US"/>
               <a:t>Fifth level</a:t>
             </a:r>
-            <a:endParaRPr lang="en-US"/>
           </a:p>
         </p:txBody>
       </p:sp>
@@ -1252,7 +1250,7 @@
           <a:p>
             <a:fld id="{5B3AD1D6-AE87-C841-B3FD-7C9F7FCAE5AE}" type="datetimeFigureOut">
               <a:rPr lang="en-US" smtClean="0"/>
-              <a:t>12/15/19</a:t>
+              <a:t>12/17/19</a:t>
             </a:fld>
             <a:endParaRPr lang="en-US"/>
           </a:p>
@@ -1351,10 +1349,9 @@
           <a:lstStyle/>
           <a:p>
             <a:r>
-              <a:rPr lang="en-US" smtClean="0"/>
+              <a:rPr lang="en-US"/>
               <a:t>Click to edit Master title style</a:t>
             </a:r>
-            <a:endParaRPr lang="en-US"/>
           </a:p>
         </p:txBody>
       </p:sp>
@@ -1417,7 +1414,7 @@
           <a:p>
             <a:pPr lvl="0"/>
             <a:r>
-              <a:rPr lang="en-US" smtClean="0"/>
+              <a:rPr lang="en-US"/>
               <a:t>Click to edit Master text styles</a:t>
             </a:r>
           </a:p>
@@ -1445,38 +1442,37 @@
           <a:p>
             <a:pPr lvl="0"/>
             <a:r>
-              <a:rPr lang="en-US" smtClean="0"/>
+              <a:rPr lang="en-US"/>
               <a:t>Click to edit Master text styles</a:t>
             </a:r>
           </a:p>
           <a:p>
             <a:pPr lvl="1"/>
             <a:r>
-              <a:rPr lang="en-US" smtClean="0"/>
+              <a:rPr lang="en-US"/>
               <a:t>Second level</a:t>
             </a:r>
           </a:p>
           <a:p>
             <a:pPr lvl="2"/>
             <a:r>
-              <a:rPr lang="en-US" smtClean="0"/>
+              <a:rPr lang="en-US"/>
               <a:t>Third level</a:t>
             </a:r>
           </a:p>
           <a:p>
             <a:pPr lvl="3"/>
             <a:r>
-              <a:rPr lang="en-US" smtClean="0"/>
+              <a:rPr lang="en-US"/>
               <a:t>Fourth level</a:t>
             </a:r>
           </a:p>
           <a:p>
             <a:pPr lvl="4"/>
             <a:r>
-              <a:rPr lang="en-US" smtClean="0"/>
+              <a:rPr lang="en-US"/>
               <a:t>Fifth level</a:t>
             </a:r>
-            <a:endParaRPr lang="en-US"/>
           </a:p>
         </p:txBody>
       </p:sp>
@@ -1539,7 +1535,7 @@
           <a:p>
             <a:pPr lvl="0"/>
             <a:r>
-              <a:rPr lang="en-US" smtClean="0"/>
+              <a:rPr lang="en-US"/>
               <a:t>Click to edit Master text styles</a:t>
             </a:r>
           </a:p>
@@ -1567,38 +1563,37 @@
           <a:p>
             <a:pPr lvl="0"/>
             <a:r>
-              <a:rPr lang="en-US" smtClean="0"/>
+              <a:rPr lang="en-US"/>
               <a:t>Click to edit Master text styles</a:t>
             </a:r>
           </a:p>
           <a:p>
             <a:pPr lvl="1"/>
             <a:r>
-              <a:rPr lang="en-US" smtClean="0"/>
+              <a:rPr lang="en-US"/>
               <a:t>Second level</a:t>
             </a:r>
           </a:p>
           <a:p>
             <a:pPr lvl="2"/>
             <a:r>
-              <a:rPr lang="en-US" smtClean="0"/>
+              <a:rPr lang="en-US"/>
               <a:t>Third level</a:t>
             </a:r>
           </a:p>
           <a:p>
             <a:pPr lvl="3"/>
             <a:r>
-              <a:rPr lang="en-US" smtClean="0"/>
+              <a:rPr lang="en-US"/>
               <a:t>Fourth level</a:t>
             </a:r>
           </a:p>
           <a:p>
             <a:pPr lvl="4"/>
             <a:r>
-              <a:rPr lang="en-US" smtClean="0"/>
+              <a:rPr lang="en-US"/>
               <a:t>Fifth level</a:t>
             </a:r>
-            <a:endParaRPr lang="en-US"/>
           </a:p>
         </p:txBody>
       </p:sp>
@@ -1619,7 +1614,7 @@
           <a:p>
             <a:fld id="{5B3AD1D6-AE87-C841-B3FD-7C9F7FCAE5AE}" type="datetimeFigureOut">
               <a:rPr lang="en-US" smtClean="0"/>
-              <a:t>12/15/19</a:t>
+              <a:t>12/17/19</a:t>
             </a:fld>
             <a:endParaRPr lang="en-US"/>
           </a:p>
@@ -1713,10 +1708,9 @@
           <a:lstStyle/>
           <a:p>
             <a:r>
-              <a:rPr lang="en-US" smtClean="0"/>
+              <a:rPr lang="en-US"/>
               <a:t>Click to edit Master title style</a:t>
             </a:r>
-            <a:endParaRPr lang="en-US"/>
           </a:p>
         </p:txBody>
       </p:sp>
@@ -1737,7 +1731,7 @@
           <a:p>
             <a:fld id="{5B3AD1D6-AE87-C841-B3FD-7C9F7FCAE5AE}" type="datetimeFigureOut">
               <a:rPr lang="en-US" smtClean="0"/>
-              <a:t>12/15/19</a:t>
+              <a:t>12/17/19</a:t>
             </a:fld>
             <a:endParaRPr lang="en-US"/>
           </a:p>
@@ -1832,7 +1826,7 @@
           <a:p>
             <a:fld id="{5B3AD1D6-AE87-C841-B3FD-7C9F7FCAE5AE}" type="datetimeFigureOut">
               <a:rPr lang="en-US" smtClean="0"/>
-              <a:t>12/15/19</a:t>
+              <a:t>12/17/19</a:t>
             </a:fld>
             <a:endParaRPr lang="en-US"/>
           </a:p>
@@ -1935,10 +1929,9 @@
           </a:lstStyle>
           <a:p>
             <a:r>
-              <a:rPr lang="en-US" smtClean="0"/>
+              <a:rPr lang="en-US"/>
               <a:t>Click to edit Master title style</a:t>
             </a:r>
-            <a:endParaRPr lang="en-US"/>
           </a:p>
         </p:txBody>
       </p:sp>
@@ -1992,38 +1985,37 @@
           <a:p>
             <a:pPr lvl="0"/>
             <a:r>
-              <a:rPr lang="en-US" smtClean="0"/>
+              <a:rPr lang="en-US"/>
               <a:t>Click to edit Master text styles</a:t>
             </a:r>
           </a:p>
           <a:p>
             <a:pPr lvl="1"/>
             <a:r>
-              <a:rPr lang="en-US" smtClean="0"/>
+              <a:rPr lang="en-US"/>
               <a:t>Second level</a:t>
             </a:r>
           </a:p>
           <a:p>
             <a:pPr lvl="2"/>
             <a:r>
-              <a:rPr lang="en-US" smtClean="0"/>
+              <a:rPr lang="en-US"/>
               <a:t>Third level</a:t>
             </a:r>
           </a:p>
           <a:p>
             <a:pPr lvl="3"/>
             <a:r>
-              <a:rPr lang="en-US" smtClean="0"/>
+              <a:rPr lang="en-US"/>
               <a:t>Fourth level</a:t>
             </a:r>
           </a:p>
           <a:p>
             <a:pPr lvl="4"/>
             <a:r>
-              <a:rPr lang="en-US" smtClean="0"/>
+              <a:rPr lang="en-US"/>
               <a:t>Fifth level</a:t>
             </a:r>
-            <a:endParaRPr lang="en-US"/>
           </a:p>
         </p:txBody>
       </p:sp>
@@ -2086,7 +2078,7 @@
           <a:p>
             <a:pPr lvl="0"/>
             <a:r>
-              <a:rPr lang="en-US" smtClean="0"/>
+              <a:rPr lang="en-US"/>
               <a:t>Click to edit Master text styles</a:t>
             </a:r>
           </a:p>
@@ -2109,7 +2101,7 @@
           <a:p>
             <a:fld id="{5B3AD1D6-AE87-C841-B3FD-7C9F7FCAE5AE}" type="datetimeFigureOut">
               <a:rPr lang="en-US" smtClean="0"/>
-              <a:t>12/15/19</a:t>
+              <a:t>12/17/19</a:t>
             </a:fld>
             <a:endParaRPr lang="en-US"/>
           </a:p>
@@ -2212,10 +2204,9 @@
           </a:lstStyle>
           <a:p>
             <a:r>
-              <a:rPr lang="en-US" smtClean="0"/>
+              <a:rPr lang="en-US"/>
               <a:t>Click to edit Master title style</a:t>
             </a:r>
-            <a:endParaRPr lang="en-US"/>
           </a:p>
         </p:txBody>
       </p:sp>
@@ -2339,7 +2330,7 @@
           <a:p>
             <a:pPr lvl="0"/>
             <a:r>
-              <a:rPr lang="en-US" smtClean="0"/>
+              <a:rPr lang="en-US"/>
               <a:t>Click to edit Master text styles</a:t>
             </a:r>
           </a:p>
@@ -2362,7 +2353,7 @@
           <a:p>
             <a:fld id="{5B3AD1D6-AE87-C841-B3FD-7C9F7FCAE5AE}" type="datetimeFigureOut">
               <a:rPr lang="en-US" smtClean="0"/>
-              <a:t>12/15/19</a:t>
+              <a:t>12/17/19</a:t>
             </a:fld>
             <a:endParaRPr lang="en-US"/>
           </a:p>
@@ -2471,10 +2462,9 @@
           <a:lstStyle/>
           <a:p>
             <a:r>
-              <a:rPr lang="en-US" smtClean="0"/>
+              <a:rPr lang="en-US"/>
               <a:t>Click to edit Master title style</a:t>
             </a:r>
-            <a:endParaRPr lang="en-US"/>
           </a:p>
         </p:txBody>
       </p:sp>
@@ -2505,38 +2495,37 @@
           <a:p>
             <a:pPr lvl="0"/>
             <a:r>
-              <a:rPr lang="en-US" smtClean="0"/>
+              <a:rPr lang="en-US"/>
               <a:t>Click to edit Master text styles</a:t>
             </a:r>
           </a:p>
           <a:p>
             <a:pPr lvl="1"/>
             <a:r>
-              <a:rPr lang="en-US" smtClean="0"/>
+              <a:rPr lang="en-US"/>
               <a:t>Second level</a:t>
             </a:r>
           </a:p>
           <a:p>
             <a:pPr lvl="2"/>
             <a:r>
-              <a:rPr lang="en-US" smtClean="0"/>
+              <a:rPr lang="en-US"/>
               <a:t>Third level</a:t>
             </a:r>
           </a:p>
           <a:p>
             <a:pPr lvl="3"/>
             <a:r>
-              <a:rPr lang="en-US" smtClean="0"/>
+              <a:rPr lang="en-US"/>
               <a:t>Fourth level</a:t>
             </a:r>
           </a:p>
           <a:p>
             <a:pPr lvl="4"/>
             <a:r>
-              <a:rPr lang="en-US" smtClean="0"/>
+              <a:rPr lang="en-US"/>
               <a:t>Fifth level</a:t>
             </a:r>
-            <a:endParaRPr lang="en-US"/>
           </a:p>
         </p:txBody>
       </p:sp>
@@ -2575,7 +2564,7 @@
           <a:p>
             <a:fld id="{5B3AD1D6-AE87-C841-B3FD-7C9F7FCAE5AE}" type="datetimeFigureOut">
               <a:rPr lang="en-US" smtClean="0"/>
-              <a:t>12/15/19</a:t>
+              <a:t>12/17/19</a:t>
             </a:fld>
             <a:endParaRPr lang="en-US"/>
           </a:p>
@@ -3003,21 +2992,6 @@
           <a:lstStyle/>
           <a:p>
             <a:r>
-              <a:rPr lang="en-US" sz="4000" dirty="0" smtClean="0">
-                <a:latin typeface="Arial Black" charset="0"/>
-                <a:ea typeface="Arial Black" charset="0"/>
-                <a:cs typeface="Arial Black" charset="0"/>
-              </a:rPr>
-              <a:t/>
-            </a:r>
-            <a:br>
-              <a:rPr lang="en-US" sz="4000" dirty="0" smtClean="0">
-                <a:latin typeface="Arial Black" charset="0"/>
-                <a:ea typeface="Arial Black" charset="0"/>
-                <a:cs typeface="Arial Black" charset="0"/>
-              </a:rPr>
-            </a:br>
-            <a:r>
               <a:rPr lang="en-US" sz="4000" dirty="0">
                 <a:latin typeface="Arial Black" charset="0"/>
                 <a:ea typeface="Arial Black" charset="0"/>
@@ -3033,21 +3007,6 @@
               </a:rPr>
             </a:br>
             <a:r>
-              <a:rPr lang="en-US" sz="4000" dirty="0" smtClean="0">
-                <a:latin typeface="Arial Black" charset="0"/>
-                <a:ea typeface="Arial Black" charset="0"/>
-                <a:cs typeface="Arial Black" charset="0"/>
-              </a:rPr>
-              <a:t/>
-            </a:r>
-            <a:br>
-              <a:rPr lang="en-US" sz="4000" dirty="0" smtClean="0">
-                <a:latin typeface="Arial Black" charset="0"/>
-                <a:ea typeface="Arial Black" charset="0"/>
-                <a:cs typeface="Arial Black" charset="0"/>
-              </a:rPr>
-            </a:br>
-            <a:r>
               <a:rPr lang="en-US" sz="4000" dirty="0">
                 <a:latin typeface="Arial Black" charset="0"/>
                 <a:ea typeface="Arial Black" charset="0"/>
@@ -3063,21 +3022,6 @@
               </a:rPr>
             </a:br>
             <a:r>
-              <a:rPr lang="en-US" sz="4000" dirty="0" smtClean="0">
-                <a:latin typeface="Arial Black" charset="0"/>
-                <a:ea typeface="Arial Black" charset="0"/>
-                <a:cs typeface="Arial Black" charset="0"/>
-              </a:rPr>
-              <a:t/>
-            </a:r>
-            <a:br>
-              <a:rPr lang="en-US" sz="4000" dirty="0" smtClean="0">
-                <a:latin typeface="Arial Black" charset="0"/>
-                <a:ea typeface="Arial Black" charset="0"/>
-                <a:cs typeface="Arial Black" charset="0"/>
-              </a:rPr>
-            </a:br>
-            <a:r>
               <a:rPr lang="en-US" sz="4000" dirty="0">
                 <a:latin typeface="Arial Black" charset="0"/>
                 <a:ea typeface="Arial Black" charset="0"/>
@@ -3093,21 +3037,6 @@
               </a:rPr>
             </a:br>
             <a:r>
-              <a:rPr lang="en-US" sz="4000" dirty="0" smtClean="0">
-                <a:latin typeface="Arial Black" charset="0"/>
-                <a:ea typeface="Arial Black" charset="0"/>
-                <a:cs typeface="Arial Black" charset="0"/>
-              </a:rPr>
-              <a:t/>
-            </a:r>
-            <a:br>
-              <a:rPr lang="en-US" sz="4000" dirty="0" smtClean="0">
-                <a:latin typeface="Arial Black" charset="0"/>
-                <a:ea typeface="Arial Black" charset="0"/>
-                <a:cs typeface="Arial Black" charset="0"/>
-              </a:rPr>
-            </a:br>
-            <a:r>
               <a:rPr lang="en-US" sz="4000" dirty="0">
                 <a:latin typeface="Arial Black" charset="0"/>
                 <a:ea typeface="Arial Black" charset="0"/>
@@ -3123,21 +3052,6 @@
               </a:rPr>
             </a:br>
             <a:r>
-              <a:rPr lang="en-US" sz="4000" dirty="0" smtClean="0">
-                <a:latin typeface="Arial Black" charset="0"/>
-                <a:ea typeface="Arial Black" charset="0"/>
-                <a:cs typeface="Arial Black" charset="0"/>
-              </a:rPr>
-              <a:t/>
-            </a:r>
-            <a:br>
-              <a:rPr lang="en-US" sz="4000" dirty="0" smtClean="0">
-                <a:latin typeface="Arial Black" charset="0"/>
-                <a:ea typeface="Arial Black" charset="0"/>
-                <a:cs typeface="Arial Black" charset="0"/>
-              </a:rPr>
-            </a:br>
-            <a:r>
               <a:rPr lang="en-US" sz="4000" dirty="0">
                 <a:latin typeface="Arial Black" charset="0"/>
                 <a:ea typeface="Arial Black" charset="0"/>
@@ -3153,7 +3067,7 @@
               </a:rPr>
             </a:br>
             <a:r>
-              <a:rPr lang="en-US" sz="4000" dirty="0" smtClean="0">
+              <a:rPr lang="en-US" sz="4000" dirty="0">
                 <a:latin typeface="Arial Black" charset="0"/>
                 <a:ea typeface="Arial Black" charset="0"/>
                 <a:cs typeface="Arial Black" charset="0"/>
@@ -3161,19 +3075,132 @@
               <a:t/>
             </a:r>
             <a:br>
-              <a:rPr lang="en-US" sz="4000" dirty="0" smtClean="0">
+              <a:rPr lang="en-US" sz="4000" dirty="0">
                 <a:latin typeface="Arial Black" charset="0"/>
                 <a:ea typeface="Arial Black" charset="0"/>
                 <a:cs typeface="Arial Black" charset="0"/>
               </a:rPr>
             </a:br>
             <a:r>
+              <a:rPr lang="en-US" sz="4000" dirty="0">
+                <a:latin typeface="Arial Black" charset="0"/>
+                <a:ea typeface="Arial Black" charset="0"/>
+                <a:cs typeface="Arial Black" charset="0"/>
+              </a:rPr>
+              <a:t/>
+            </a:r>
+            <a:br>
+              <a:rPr lang="en-US" sz="4000" dirty="0">
+                <a:latin typeface="Arial Black" charset="0"/>
+                <a:ea typeface="Arial Black" charset="0"/>
+                <a:cs typeface="Arial Black" charset="0"/>
+              </a:rPr>
+            </a:br>
+            <a:r>
+              <a:rPr lang="en-US" sz="4000" dirty="0">
+                <a:latin typeface="Arial Black" charset="0"/>
+                <a:ea typeface="Arial Black" charset="0"/>
+                <a:cs typeface="Arial Black" charset="0"/>
+              </a:rPr>
+              <a:t/>
+            </a:r>
+            <a:br>
+              <a:rPr lang="en-US" sz="4000" dirty="0">
+                <a:latin typeface="Arial Black" charset="0"/>
+                <a:ea typeface="Arial Black" charset="0"/>
+                <a:cs typeface="Arial Black" charset="0"/>
+              </a:rPr>
+            </a:br>
+            <a:r>
+              <a:rPr lang="en-US" sz="4000" dirty="0">
+                <a:latin typeface="Arial Black" charset="0"/>
+                <a:ea typeface="Arial Black" charset="0"/>
+                <a:cs typeface="Arial Black" charset="0"/>
+              </a:rPr>
+              <a:t/>
+            </a:r>
+            <a:br>
+              <a:rPr lang="en-US" sz="4000" dirty="0">
+                <a:latin typeface="Arial Black" charset="0"/>
+                <a:ea typeface="Arial Black" charset="0"/>
+                <a:cs typeface="Arial Black" charset="0"/>
+              </a:rPr>
+            </a:br>
+            <a:r>
+              <a:rPr lang="en-US" sz="4000" dirty="0">
+                <a:latin typeface="Arial Black" charset="0"/>
+                <a:ea typeface="Arial Black" charset="0"/>
+                <a:cs typeface="Arial Black" charset="0"/>
+              </a:rPr>
+              <a:t/>
+            </a:r>
+            <a:br>
+              <a:rPr lang="en-US" sz="4000" dirty="0">
+                <a:latin typeface="Arial Black" charset="0"/>
+                <a:ea typeface="Arial Black" charset="0"/>
+                <a:cs typeface="Arial Black" charset="0"/>
+              </a:rPr>
+            </a:br>
+            <a:r>
+              <a:rPr lang="en-US" sz="4000" dirty="0">
+                <a:latin typeface="Arial Black" charset="0"/>
+                <a:ea typeface="Arial Black" charset="0"/>
+                <a:cs typeface="Arial Black" charset="0"/>
+              </a:rPr>
+              <a:t/>
+            </a:r>
+            <a:br>
+              <a:rPr lang="en-US" sz="4000" dirty="0">
+                <a:latin typeface="Arial Black" charset="0"/>
+                <a:ea typeface="Arial Black" charset="0"/>
+                <a:cs typeface="Arial Black" charset="0"/>
+              </a:rPr>
+            </a:br>
+            <a:r>
+              <a:rPr lang="en-US" sz="6700" dirty="0">
+                <a:latin typeface="Arial Black" charset="0"/>
+                <a:ea typeface="Arial Black" charset="0"/>
+                <a:cs typeface="Arial Black" charset="0"/>
+              </a:rPr>
+              <a:t>Problems</a:t>
+            </a:r>
+            <a:br>
+              <a:rPr lang="en-US" sz="6700" dirty="0">
+                <a:latin typeface="Arial Black" charset="0"/>
+                <a:ea typeface="Arial Black" charset="0"/>
+                <a:cs typeface="Arial Black" charset="0"/>
+              </a:rPr>
+            </a:br>
+            <a:r>
+              <a:rPr lang="en-US" sz="6700" dirty="0">
+                <a:latin typeface="Arial Black" charset="0"/>
+                <a:ea typeface="Arial Black" charset="0"/>
+                <a:cs typeface="Arial Black" charset="0"/>
+              </a:rPr>
+              <a:t>on</a:t>
+            </a:r>
+            <a:br>
+              <a:rPr lang="en-US" sz="6700" dirty="0">
+                <a:latin typeface="Arial Black" charset="0"/>
+                <a:ea typeface="Arial Black" charset="0"/>
+                <a:cs typeface="Arial Black" charset="0"/>
+              </a:rPr>
+            </a:br>
+            <a:r>
+              <a:rPr lang="en-US" sz="6700" dirty="0">
+                <a:latin typeface="Arial Black" charset="0"/>
+                <a:ea typeface="Arial Black" charset="0"/>
+                <a:cs typeface="Arial Black" charset="0"/>
+              </a:rPr>
+              <a:t>Conditional </a:t>
+            </a:r>
+            <a:r>
               <a:rPr lang="en-US" sz="6700" dirty="0" smtClean="0">
                 <a:latin typeface="Arial Black" charset="0"/>
                 <a:ea typeface="Arial Black" charset="0"/>
                 <a:cs typeface="Arial Black" charset="0"/>
               </a:rPr>
-              <a:t>Problems</a:t>
+              <a:t>Expectation</a:t>
             </a:r>
             <a:br>
               <a:rPr lang="en-US" sz="6700" dirty="0" smtClean="0">
@@ -3188,32 +3215,10 @@
                 <a:ea typeface="Arial Black" charset="0"/>
                 <a:cs typeface="Arial Black" charset="0"/>
               </a:rPr>
-              <a:t>on</a:t>
-            </a:r>
-            <a:br>
-              <a:rPr lang="en-US" sz="6700" dirty="0" smtClean="0">
-                <a:latin typeface="Arial Black" charset="0"/>
-                <a:ea typeface="Arial Black" charset="0"/>
-                <a:cs typeface="Arial Black" charset="0"/>
-              </a:rPr>
-            </a:br>
-            <a:r>
-              <a:rPr lang="en-US" sz="6700" dirty="0" smtClean="0">
-                <a:latin typeface="Arial Black" charset="0"/>
-                <a:ea typeface="Arial Black" charset="0"/>
-                <a:cs typeface="Arial Black" charset="0"/>
-              </a:rPr>
-              <a:t>Conditional Expectation</a:t>
-            </a:r>
-            <a:br>
-              <a:rPr lang="en-US" sz="6700" dirty="0" smtClean="0">
-                <a:latin typeface="Arial Black" charset="0"/>
-                <a:ea typeface="Arial Black" charset="0"/>
-                <a:cs typeface="Arial Black" charset="0"/>
-              </a:rPr>
-            </a:br>
-            <a:r>
-              <a:rPr lang="en-US" sz="6700" dirty="0" smtClean="0">
+              <a:t>2014</a:t>
+            </a:r>
+            <a:r>
+              <a:rPr lang="en-US" sz="6700" dirty="0">
                 <a:latin typeface="Arial Black" charset="0"/>
                 <a:ea typeface="Arial Black" charset="0"/>
                 <a:cs typeface="Arial Black" charset="0"/>
@@ -3221,7 +3226,7 @@
               <a:t/>
             </a:r>
             <a:br>
-              <a:rPr lang="en-US" sz="6700" dirty="0" smtClean="0">
+              <a:rPr lang="en-US" sz="6700" dirty="0">
                 <a:latin typeface="Arial Black" charset="0"/>
                 <a:ea typeface="Arial Black" charset="0"/>
                 <a:cs typeface="Arial Black" charset="0"/>
@@ -3271,10 +3276,846 @@
   <p:clrMapOvr>
     <a:masterClrMapping/>
   </p:clrMapOvr>
+  <p:timing>
+    <p:tnLst>
+      <p:par>
+        <p:cTn id="1" dur="indefinite" restart="never" nodeType="tmRoot"/>
+      </p:par>
+    </p:tnLst>
+  </p:timing>
 </p:sld>
 </file>
 
 <file path=ppt/slides/slide10.xml><?xml version="1.0" encoding="utf-8"?>
+<p:sld xmlns:a="http://schemas.openxmlformats.org/drawingml/2006/main" xmlns:r="http://schemas.openxmlformats.org/officeDocument/2006/relationships" xmlns:p="http://schemas.openxmlformats.org/presentationml/2006/main">
+  <p:cSld>
+    <p:spTree>
+      <p:nvGrpSpPr>
+        <p:cNvPr id="1" name=""/>
+        <p:cNvGrpSpPr/>
+        <p:nvPr/>
+      </p:nvGrpSpPr>
+      <p:grpSpPr>
+        <a:xfrm>
+          <a:off x="0" y="0"/>
+          <a:ext cx="0" cy="0"/>
+          <a:chOff x="0" y="0"/>
+          <a:chExt cx="0" cy="0"/>
+        </a:xfrm>
+      </p:grpSpPr>
+      <p:pic>
+        <p:nvPicPr>
+          <p:cNvPr id="5" name="Picture 4"/>
+          <p:cNvPicPr>
+            <a:picLocks noChangeAspect="1"/>
+          </p:cNvPicPr>
+          <p:nvPr/>
+        </p:nvPicPr>
+        <p:blipFill>
+          <a:blip r:embed="rId2">
+            <a:extLst>
+              <a:ext uri="{28A0092B-C50C-407E-A947-70E740481C1C}">
+                <a14:useLocalDpi xmlns:a14="http://schemas.microsoft.com/office/drawing/2010/main" val="0"/>
+              </a:ext>
+            </a:extLst>
+          </a:blip>
+          <a:stretch>
+            <a:fillRect/>
+          </a:stretch>
+        </p:blipFill>
+        <p:spPr>
+          <a:xfrm>
+            <a:off x="2423651" y="444499"/>
+            <a:ext cx="7739380" cy="1613743"/>
+          </a:xfrm>
+          <a:prstGeom prst="rect">
+            <a:avLst/>
+          </a:prstGeom>
+        </p:spPr>
+      </p:pic>
+      <p:pic>
+        <p:nvPicPr>
+          <p:cNvPr id="6" name="Picture 5" descr="A screenshot of a cell phone&#10;&#10;Description automatically generated">
+            <a:extLst>
+              <a:ext uri="{FF2B5EF4-FFF2-40B4-BE49-F238E27FC236}">
+                <a16:creationId xmlns:a16="http://schemas.microsoft.com/office/drawing/2014/main" xmlns="" id="{12805C2C-29F0-244E-B1A4-4460CDB43D19}"/>
+              </a:ext>
+            </a:extLst>
+          </p:cNvPr>
+          <p:cNvPicPr>
+            <a:picLocks noChangeAspect="1"/>
+          </p:cNvPicPr>
+          <p:nvPr/>
+        </p:nvPicPr>
+        <p:blipFill>
+          <a:blip r:embed="rId3"/>
+          <a:stretch>
+            <a:fillRect/>
+          </a:stretch>
+        </p:blipFill>
+        <p:spPr>
+          <a:xfrm>
+            <a:off x="1840201" y="2295497"/>
+            <a:ext cx="8511598" cy="4216857"/>
+          </a:xfrm>
+          <a:prstGeom prst="rect">
+            <a:avLst/>
+          </a:prstGeom>
+        </p:spPr>
+      </p:pic>
+    </p:spTree>
+    <p:extLst>
+      <p:ext uri="{BB962C8B-B14F-4D97-AF65-F5344CB8AC3E}">
+        <p14:creationId xmlns:p14="http://schemas.microsoft.com/office/powerpoint/2010/main" val="1811424497"/>
+      </p:ext>
+    </p:extLst>
+  </p:cSld>
+  <p:clrMapOvr>
+    <a:masterClrMapping/>
+  </p:clrMapOvr>
+  <p:timing>
+    <p:tnLst>
+      <p:par>
+        <p:cTn id="1" dur="indefinite" restart="never" nodeType="tmRoot"/>
+      </p:par>
+    </p:tnLst>
+  </p:timing>
+</p:sld>
+</file>
+
+<file path=ppt/slides/slide11.xml><?xml version="1.0" encoding="utf-8"?>
+<p:sld xmlns:a="http://schemas.openxmlformats.org/drawingml/2006/main" xmlns:r="http://schemas.openxmlformats.org/officeDocument/2006/relationships" xmlns:p="http://schemas.openxmlformats.org/presentationml/2006/main">
+  <p:cSld>
+    <p:spTree>
+      <p:nvGrpSpPr>
+        <p:cNvPr id="1" name=""/>
+        <p:cNvGrpSpPr/>
+        <p:nvPr/>
+      </p:nvGrpSpPr>
+      <p:grpSpPr>
+        <a:xfrm>
+          <a:off x="0" y="0"/>
+          <a:ext cx="0" cy="0"/>
+          <a:chOff x="0" y="0"/>
+          <a:chExt cx="0" cy="0"/>
+        </a:xfrm>
+      </p:grpSpPr>
+      <p:pic>
+        <p:nvPicPr>
+          <p:cNvPr id="5" name="Picture 4"/>
+          <p:cNvPicPr>
+            <a:picLocks noChangeAspect="1"/>
+          </p:cNvPicPr>
+          <p:nvPr/>
+        </p:nvPicPr>
+        <p:blipFill>
+          <a:blip r:embed="rId2">
+            <a:extLst>
+              <a:ext uri="{28A0092B-C50C-407E-A947-70E740481C1C}">
+                <a14:useLocalDpi xmlns:a14="http://schemas.microsoft.com/office/drawing/2010/main" val="0"/>
+              </a:ext>
+            </a:extLst>
+          </a:blip>
+          <a:stretch>
+            <a:fillRect/>
+          </a:stretch>
+        </p:blipFill>
+        <p:spPr>
+          <a:xfrm>
+            <a:off x="2423651" y="444499"/>
+            <a:ext cx="7739380" cy="1613743"/>
+          </a:xfrm>
+          <a:prstGeom prst="rect">
+            <a:avLst/>
+          </a:prstGeom>
+        </p:spPr>
+      </p:pic>
+      <p:pic>
+        <p:nvPicPr>
+          <p:cNvPr id="3" name="Picture 2"/>
+          <p:cNvPicPr>
+            <a:picLocks noChangeAspect="1"/>
+          </p:cNvPicPr>
+          <p:nvPr/>
+        </p:nvPicPr>
+        <p:blipFill>
+          <a:blip r:embed="rId3">
+            <a:extLst>
+              <a:ext uri="{28A0092B-C50C-407E-A947-70E740481C1C}">
+                <a14:useLocalDpi xmlns:a14="http://schemas.microsoft.com/office/drawing/2010/main" val="0"/>
+              </a:ext>
+            </a:extLst>
+          </a:blip>
+          <a:stretch>
+            <a:fillRect/>
+          </a:stretch>
+        </p:blipFill>
+        <p:spPr>
+          <a:xfrm>
+            <a:off x="1462298" y="2328340"/>
+            <a:ext cx="9662085" cy="4133419"/>
+          </a:xfrm>
+          <a:prstGeom prst="rect">
+            <a:avLst/>
+          </a:prstGeom>
+        </p:spPr>
+      </p:pic>
+      <p:pic>
+        <p:nvPicPr>
+          <p:cNvPr id="4" name="Picture 3" descr="A close up of a logo&#10;&#10;Description automatically generated">
+            <a:extLst>
+              <a:ext uri="{FF2B5EF4-FFF2-40B4-BE49-F238E27FC236}">
+                <a16:creationId xmlns:a16="http://schemas.microsoft.com/office/drawing/2014/main" xmlns="" id="{193C9DC0-EC86-9B48-B4C0-784456932F77}"/>
+              </a:ext>
+            </a:extLst>
+          </p:cNvPr>
+          <p:cNvPicPr>
+            <a:picLocks noChangeAspect="1"/>
+          </p:cNvPicPr>
+          <p:nvPr/>
+        </p:nvPicPr>
+        <p:blipFill>
+          <a:blip r:embed="rId4"/>
+          <a:stretch>
+            <a:fillRect/>
+          </a:stretch>
+        </p:blipFill>
+        <p:spPr>
+          <a:xfrm>
+            <a:off x="753035" y="2328340"/>
+            <a:ext cx="10811435" cy="4309128"/>
+          </a:xfrm>
+          <a:prstGeom prst="rect">
+            <a:avLst/>
+          </a:prstGeom>
+        </p:spPr>
+      </p:pic>
+    </p:spTree>
+    <p:extLst>
+      <p:ext uri="{BB962C8B-B14F-4D97-AF65-F5344CB8AC3E}">
+        <p14:creationId xmlns:p14="http://schemas.microsoft.com/office/powerpoint/2010/main" val="110871908"/>
+      </p:ext>
+    </p:extLst>
+  </p:cSld>
+  <p:clrMapOvr>
+    <a:masterClrMapping/>
+  </p:clrMapOvr>
+  <p:timing>
+    <p:tnLst>
+      <p:par>
+        <p:cTn id="1" dur="indefinite" restart="never" nodeType="tmRoot"/>
+      </p:par>
+    </p:tnLst>
+  </p:timing>
+</p:sld>
+</file>
+
+<file path=ppt/slides/slide12.xml><?xml version="1.0" encoding="utf-8"?>
+<p:sld xmlns:a="http://schemas.openxmlformats.org/drawingml/2006/main" xmlns:r="http://schemas.openxmlformats.org/officeDocument/2006/relationships" xmlns:p="http://schemas.openxmlformats.org/presentationml/2006/main">
+  <p:cSld>
+    <p:spTree>
+      <p:nvGrpSpPr>
+        <p:cNvPr id="1" name=""/>
+        <p:cNvGrpSpPr/>
+        <p:nvPr/>
+      </p:nvGrpSpPr>
+      <p:grpSpPr>
+        <a:xfrm>
+          <a:off x="0" y="0"/>
+          <a:ext cx="0" cy="0"/>
+          <a:chOff x="0" y="0"/>
+          <a:chExt cx="0" cy="0"/>
+        </a:xfrm>
+      </p:grpSpPr>
+      <p:pic>
+        <p:nvPicPr>
+          <p:cNvPr id="5" name="Picture 4"/>
+          <p:cNvPicPr>
+            <a:picLocks noChangeAspect="1"/>
+          </p:cNvPicPr>
+          <p:nvPr/>
+        </p:nvPicPr>
+        <p:blipFill>
+          <a:blip r:embed="rId2">
+            <a:extLst>
+              <a:ext uri="{28A0092B-C50C-407E-A947-70E740481C1C}">
+                <a14:useLocalDpi xmlns:a14="http://schemas.microsoft.com/office/drawing/2010/main" val="0"/>
+              </a:ext>
+            </a:extLst>
+          </a:blip>
+          <a:stretch>
+            <a:fillRect/>
+          </a:stretch>
+        </p:blipFill>
+        <p:spPr>
+          <a:xfrm>
+            <a:off x="2423651" y="444499"/>
+            <a:ext cx="7739380" cy="1613743"/>
+          </a:xfrm>
+          <a:prstGeom prst="rect">
+            <a:avLst/>
+          </a:prstGeom>
+        </p:spPr>
+      </p:pic>
+      <p:pic>
+        <p:nvPicPr>
+          <p:cNvPr id="3" name="Picture 2"/>
+          <p:cNvPicPr>
+            <a:picLocks noChangeAspect="1"/>
+          </p:cNvPicPr>
+          <p:nvPr/>
+        </p:nvPicPr>
+        <p:blipFill>
+          <a:blip r:embed="rId3">
+            <a:extLst>
+              <a:ext uri="{28A0092B-C50C-407E-A947-70E740481C1C}">
+                <a14:useLocalDpi xmlns:a14="http://schemas.microsoft.com/office/drawing/2010/main" val="0"/>
+              </a:ext>
+            </a:extLst>
+          </a:blip>
+          <a:stretch>
+            <a:fillRect/>
+          </a:stretch>
+        </p:blipFill>
+        <p:spPr>
+          <a:xfrm>
+            <a:off x="1462298" y="2328340"/>
+            <a:ext cx="9662085" cy="4133419"/>
+          </a:xfrm>
+          <a:prstGeom prst="rect">
+            <a:avLst/>
+          </a:prstGeom>
+        </p:spPr>
+      </p:pic>
+      <p:pic>
+        <p:nvPicPr>
+          <p:cNvPr id="4" name="Picture 3" descr="A close up of a logo&#10;&#10;Description automatically generated">
+            <a:extLst>
+              <a:ext uri="{FF2B5EF4-FFF2-40B4-BE49-F238E27FC236}">
+                <a16:creationId xmlns:a16="http://schemas.microsoft.com/office/drawing/2014/main" xmlns="" id="{193C9DC0-EC86-9B48-B4C0-784456932F77}"/>
+              </a:ext>
+            </a:extLst>
+          </p:cNvPr>
+          <p:cNvPicPr>
+            <a:picLocks noChangeAspect="1"/>
+          </p:cNvPicPr>
+          <p:nvPr/>
+        </p:nvPicPr>
+        <p:blipFill>
+          <a:blip r:embed="rId4"/>
+          <a:stretch>
+            <a:fillRect/>
+          </a:stretch>
+        </p:blipFill>
+        <p:spPr>
+          <a:xfrm>
+            <a:off x="753035" y="3055172"/>
+            <a:ext cx="10811435" cy="3582296"/>
+          </a:xfrm>
+          <a:prstGeom prst="rect">
+            <a:avLst/>
+          </a:prstGeom>
+        </p:spPr>
+      </p:pic>
+    </p:spTree>
+    <p:extLst>
+      <p:ext uri="{BB962C8B-B14F-4D97-AF65-F5344CB8AC3E}">
+        <p14:creationId xmlns:p14="http://schemas.microsoft.com/office/powerpoint/2010/main" val="1264735051"/>
+      </p:ext>
+    </p:extLst>
+  </p:cSld>
+  <p:clrMapOvr>
+    <a:masterClrMapping/>
+  </p:clrMapOvr>
+  <p:timing>
+    <p:tnLst>
+      <p:par>
+        <p:cTn id="1" dur="indefinite" restart="never" nodeType="tmRoot"/>
+      </p:par>
+    </p:tnLst>
+  </p:timing>
+</p:sld>
+</file>
+
+<file path=ppt/slides/slide13.xml><?xml version="1.0" encoding="utf-8"?>
+<p:sld xmlns:a="http://schemas.openxmlformats.org/drawingml/2006/main" xmlns:r="http://schemas.openxmlformats.org/officeDocument/2006/relationships" xmlns:p="http://schemas.openxmlformats.org/presentationml/2006/main">
+  <p:cSld>
+    <p:spTree>
+      <p:nvGrpSpPr>
+        <p:cNvPr id="1" name=""/>
+        <p:cNvGrpSpPr/>
+        <p:nvPr/>
+      </p:nvGrpSpPr>
+      <p:grpSpPr>
+        <a:xfrm>
+          <a:off x="0" y="0"/>
+          <a:ext cx="0" cy="0"/>
+          <a:chOff x="0" y="0"/>
+          <a:chExt cx="0" cy="0"/>
+        </a:xfrm>
+      </p:grpSpPr>
+      <p:pic>
+        <p:nvPicPr>
+          <p:cNvPr id="5" name="Picture 4"/>
+          <p:cNvPicPr>
+            <a:picLocks noChangeAspect="1"/>
+          </p:cNvPicPr>
+          <p:nvPr/>
+        </p:nvPicPr>
+        <p:blipFill>
+          <a:blip r:embed="rId2">
+            <a:extLst>
+              <a:ext uri="{28A0092B-C50C-407E-A947-70E740481C1C}">
+                <a14:useLocalDpi xmlns:a14="http://schemas.microsoft.com/office/drawing/2010/main" val="0"/>
+              </a:ext>
+            </a:extLst>
+          </a:blip>
+          <a:stretch>
+            <a:fillRect/>
+          </a:stretch>
+        </p:blipFill>
+        <p:spPr>
+          <a:xfrm>
+            <a:off x="2423651" y="444499"/>
+            <a:ext cx="7739380" cy="1613743"/>
+          </a:xfrm>
+          <a:prstGeom prst="rect">
+            <a:avLst/>
+          </a:prstGeom>
+        </p:spPr>
+      </p:pic>
+      <p:pic>
+        <p:nvPicPr>
+          <p:cNvPr id="3" name="Picture 2"/>
+          <p:cNvPicPr>
+            <a:picLocks noChangeAspect="1"/>
+          </p:cNvPicPr>
+          <p:nvPr/>
+        </p:nvPicPr>
+        <p:blipFill>
+          <a:blip r:embed="rId3">
+            <a:extLst>
+              <a:ext uri="{28A0092B-C50C-407E-A947-70E740481C1C}">
+                <a14:useLocalDpi xmlns:a14="http://schemas.microsoft.com/office/drawing/2010/main" val="0"/>
+              </a:ext>
+            </a:extLst>
+          </a:blip>
+          <a:stretch>
+            <a:fillRect/>
+          </a:stretch>
+        </p:blipFill>
+        <p:spPr>
+          <a:xfrm>
+            <a:off x="1462298" y="2328340"/>
+            <a:ext cx="9662085" cy="4133419"/>
+          </a:xfrm>
+          <a:prstGeom prst="rect">
+            <a:avLst/>
+          </a:prstGeom>
+        </p:spPr>
+      </p:pic>
+      <p:pic>
+        <p:nvPicPr>
+          <p:cNvPr id="4" name="Picture 3" descr="A close up of a logo&#10;&#10;Description automatically generated">
+            <a:extLst>
+              <a:ext uri="{FF2B5EF4-FFF2-40B4-BE49-F238E27FC236}">
+                <a16:creationId xmlns:a16="http://schemas.microsoft.com/office/drawing/2014/main" xmlns="" id="{193C9DC0-EC86-9B48-B4C0-784456932F77}"/>
+              </a:ext>
+            </a:extLst>
+          </p:cNvPr>
+          <p:cNvPicPr>
+            <a:picLocks noChangeAspect="1"/>
+          </p:cNvPicPr>
+          <p:nvPr/>
+        </p:nvPicPr>
+        <p:blipFill>
+          <a:blip r:embed="rId4"/>
+          <a:stretch>
+            <a:fillRect/>
+          </a:stretch>
+        </p:blipFill>
+        <p:spPr>
+          <a:xfrm>
+            <a:off x="753035" y="3646842"/>
+            <a:ext cx="10811435" cy="2990626"/>
+          </a:xfrm>
+          <a:prstGeom prst="rect">
+            <a:avLst/>
+          </a:prstGeom>
+        </p:spPr>
+      </p:pic>
+    </p:spTree>
+    <p:extLst>
+      <p:ext uri="{BB962C8B-B14F-4D97-AF65-F5344CB8AC3E}">
+        <p14:creationId xmlns:p14="http://schemas.microsoft.com/office/powerpoint/2010/main" val="1892522368"/>
+      </p:ext>
+    </p:extLst>
+  </p:cSld>
+  <p:clrMapOvr>
+    <a:masterClrMapping/>
+  </p:clrMapOvr>
+  <p:timing>
+    <p:tnLst>
+      <p:par>
+        <p:cTn id="1" dur="indefinite" restart="never" nodeType="tmRoot"/>
+      </p:par>
+    </p:tnLst>
+  </p:timing>
+</p:sld>
+</file>
+
+<file path=ppt/slides/slide14.xml><?xml version="1.0" encoding="utf-8"?>
+<p:sld xmlns:a="http://schemas.openxmlformats.org/drawingml/2006/main" xmlns:r="http://schemas.openxmlformats.org/officeDocument/2006/relationships" xmlns:p="http://schemas.openxmlformats.org/presentationml/2006/main">
+  <p:cSld>
+    <p:spTree>
+      <p:nvGrpSpPr>
+        <p:cNvPr id="1" name=""/>
+        <p:cNvGrpSpPr/>
+        <p:nvPr/>
+      </p:nvGrpSpPr>
+      <p:grpSpPr>
+        <a:xfrm>
+          <a:off x="0" y="0"/>
+          <a:ext cx="0" cy="0"/>
+          <a:chOff x="0" y="0"/>
+          <a:chExt cx="0" cy="0"/>
+        </a:xfrm>
+      </p:grpSpPr>
+      <p:pic>
+        <p:nvPicPr>
+          <p:cNvPr id="5" name="Picture 4"/>
+          <p:cNvPicPr>
+            <a:picLocks noChangeAspect="1"/>
+          </p:cNvPicPr>
+          <p:nvPr/>
+        </p:nvPicPr>
+        <p:blipFill>
+          <a:blip r:embed="rId2">
+            <a:extLst>
+              <a:ext uri="{28A0092B-C50C-407E-A947-70E740481C1C}">
+                <a14:useLocalDpi xmlns:a14="http://schemas.microsoft.com/office/drawing/2010/main" val="0"/>
+              </a:ext>
+            </a:extLst>
+          </a:blip>
+          <a:stretch>
+            <a:fillRect/>
+          </a:stretch>
+        </p:blipFill>
+        <p:spPr>
+          <a:xfrm>
+            <a:off x="2423651" y="444499"/>
+            <a:ext cx="7739380" cy="1613743"/>
+          </a:xfrm>
+          <a:prstGeom prst="rect">
+            <a:avLst/>
+          </a:prstGeom>
+        </p:spPr>
+      </p:pic>
+      <p:pic>
+        <p:nvPicPr>
+          <p:cNvPr id="3" name="Picture 2"/>
+          <p:cNvPicPr>
+            <a:picLocks noChangeAspect="1"/>
+          </p:cNvPicPr>
+          <p:nvPr/>
+        </p:nvPicPr>
+        <p:blipFill>
+          <a:blip r:embed="rId3">
+            <a:extLst>
+              <a:ext uri="{28A0092B-C50C-407E-A947-70E740481C1C}">
+                <a14:useLocalDpi xmlns:a14="http://schemas.microsoft.com/office/drawing/2010/main" val="0"/>
+              </a:ext>
+            </a:extLst>
+          </a:blip>
+          <a:stretch>
+            <a:fillRect/>
+          </a:stretch>
+        </p:blipFill>
+        <p:spPr>
+          <a:xfrm>
+            <a:off x="1462298" y="2328340"/>
+            <a:ext cx="9662085" cy="4133419"/>
+          </a:xfrm>
+          <a:prstGeom prst="rect">
+            <a:avLst/>
+          </a:prstGeom>
+        </p:spPr>
+      </p:pic>
+      <p:pic>
+        <p:nvPicPr>
+          <p:cNvPr id="4" name="Picture 3" descr="A close up of a logo&#10;&#10;Description automatically generated">
+            <a:extLst>
+              <a:ext uri="{FF2B5EF4-FFF2-40B4-BE49-F238E27FC236}">
+                <a16:creationId xmlns:a16="http://schemas.microsoft.com/office/drawing/2014/main" xmlns="" id="{193C9DC0-EC86-9B48-B4C0-784456932F77}"/>
+              </a:ext>
+            </a:extLst>
+          </p:cNvPr>
+          <p:cNvPicPr>
+            <a:picLocks noChangeAspect="1"/>
+          </p:cNvPicPr>
+          <p:nvPr/>
+        </p:nvPicPr>
+        <p:blipFill>
+          <a:blip r:embed="rId4"/>
+          <a:stretch>
+            <a:fillRect/>
+          </a:stretch>
+        </p:blipFill>
+        <p:spPr>
+          <a:xfrm>
+            <a:off x="753035" y="4378362"/>
+            <a:ext cx="10811435" cy="2259106"/>
+          </a:xfrm>
+          <a:prstGeom prst="rect">
+            <a:avLst/>
+          </a:prstGeom>
+        </p:spPr>
+      </p:pic>
+    </p:spTree>
+    <p:extLst>
+      <p:ext uri="{BB962C8B-B14F-4D97-AF65-F5344CB8AC3E}">
+        <p14:creationId xmlns:p14="http://schemas.microsoft.com/office/powerpoint/2010/main" val="666834445"/>
+      </p:ext>
+    </p:extLst>
+  </p:cSld>
+  <p:clrMapOvr>
+    <a:masterClrMapping/>
+  </p:clrMapOvr>
+  <p:timing>
+    <p:tnLst>
+      <p:par>
+        <p:cTn id="1" dur="indefinite" restart="never" nodeType="tmRoot"/>
+      </p:par>
+    </p:tnLst>
+  </p:timing>
+</p:sld>
+</file>
+
+<file path=ppt/slides/slide15.xml><?xml version="1.0" encoding="utf-8"?>
+<p:sld xmlns:a="http://schemas.openxmlformats.org/drawingml/2006/main" xmlns:r="http://schemas.openxmlformats.org/officeDocument/2006/relationships" xmlns:p="http://schemas.openxmlformats.org/presentationml/2006/main">
+  <p:cSld>
+    <p:spTree>
+      <p:nvGrpSpPr>
+        <p:cNvPr id="1" name=""/>
+        <p:cNvGrpSpPr/>
+        <p:nvPr/>
+      </p:nvGrpSpPr>
+      <p:grpSpPr>
+        <a:xfrm>
+          <a:off x="0" y="0"/>
+          <a:ext cx="0" cy="0"/>
+          <a:chOff x="0" y="0"/>
+          <a:chExt cx="0" cy="0"/>
+        </a:xfrm>
+      </p:grpSpPr>
+      <p:pic>
+        <p:nvPicPr>
+          <p:cNvPr id="5" name="Picture 4"/>
+          <p:cNvPicPr>
+            <a:picLocks noChangeAspect="1"/>
+          </p:cNvPicPr>
+          <p:nvPr/>
+        </p:nvPicPr>
+        <p:blipFill>
+          <a:blip r:embed="rId2">
+            <a:extLst>
+              <a:ext uri="{28A0092B-C50C-407E-A947-70E740481C1C}">
+                <a14:useLocalDpi xmlns:a14="http://schemas.microsoft.com/office/drawing/2010/main" val="0"/>
+              </a:ext>
+            </a:extLst>
+          </a:blip>
+          <a:stretch>
+            <a:fillRect/>
+          </a:stretch>
+        </p:blipFill>
+        <p:spPr>
+          <a:xfrm>
+            <a:off x="2423651" y="444499"/>
+            <a:ext cx="7739380" cy="1613743"/>
+          </a:xfrm>
+          <a:prstGeom prst="rect">
+            <a:avLst/>
+          </a:prstGeom>
+        </p:spPr>
+      </p:pic>
+      <p:pic>
+        <p:nvPicPr>
+          <p:cNvPr id="3" name="Picture 2"/>
+          <p:cNvPicPr>
+            <a:picLocks noChangeAspect="1"/>
+          </p:cNvPicPr>
+          <p:nvPr/>
+        </p:nvPicPr>
+        <p:blipFill>
+          <a:blip r:embed="rId3">
+            <a:extLst>
+              <a:ext uri="{28A0092B-C50C-407E-A947-70E740481C1C}">
+                <a14:useLocalDpi xmlns:a14="http://schemas.microsoft.com/office/drawing/2010/main" val="0"/>
+              </a:ext>
+            </a:extLst>
+          </a:blip>
+          <a:stretch>
+            <a:fillRect/>
+          </a:stretch>
+        </p:blipFill>
+        <p:spPr>
+          <a:xfrm>
+            <a:off x="1462298" y="2328340"/>
+            <a:ext cx="9662085" cy="4133419"/>
+          </a:xfrm>
+          <a:prstGeom prst="rect">
+            <a:avLst/>
+          </a:prstGeom>
+        </p:spPr>
+      </p:pic>
+      <p:pic>
+        <p:nvPicPr>
+          <p:cNvPr id="4" name="Picture 3" descr="A close up of a logo&#10;&#10;Description automatically generated">
+            <a:extLst>
+              <a:ext uri="{FF2B5EF4-FFF2-40B4-BE49-F238E27FC236}">
+                <a16:creationId xmlns:a16="http://schemas.microsoft.com/office/drawing/2014/main" xmlns="" id="{193C9DC0-EC86-9B48-B4C0-784456932F77}"/>
+              </a:ext>
+            </a:extLst>
+          </p:cNvPr>
+          <p:cNvPicPr>
+            <a:picLocks noChangeAspect="1"/>
+          </p:cNvPicPr>
+          <p:nvPr/>
+        </p:nvPicPr>
+        <p:blipFill>
+          <a:blip r:embed="rId4"/>
+          <a:stretch>
+            <a:fillRect/>
+          </a:stretch>
+        </p:blipFill>
+        <p:spPr>
+          <a:xfrm>
+            <a:off x="753035" y="5013064"/>
+            <a:ext cx="10811435" cy="1624404"/>
+          </a:xfrm>
+          <a:prstGeom prst="rect">
+            <a:avLst/>
+          </a:prstGeom>
+        </p:spPr>
+      </p:pic>
+    </p:spTree>
+    <p:extLst>
+      <p:ext uri="{BB962C8B-B14F-4D97-AF65-F5344CB8AC3E}">
+        <p14:creationId xmlns:p14="http://schemas.microsoft.com/office/powerpoint/2010/main" val="1435620751"/>
+      </p:ext>
+    </p:extLst>
+  </p:cSld>
+  <p:clrMapOvr>
+    <a:masterClrMapping/>
+  </p:clrMapOvr>
+  <p:timing>
+    <p:tnLst>
+      <p:par>
+        <p:cTn id="1" dur="indefinite" restart="never" nodeType="tmRoot"/>
+      </p:par>
+    </p:tnLst>
+  </p:timing>
+</p:sld>
+</file>
+
+<file path=ppt/slides/slide16.xml><?xml version="1.0" encoding="utf-8"?>
+<p:sld xmlns:a="http://schemas.openxmlformats.org/drawingml/2006/main" xmlns:r="http://schemas.openxmlformats.org/officeDocument/2006/relationships" xmlns:p="http://schemas.openxmlformats.org/presentationml/2006/main">
+  <p:cSld>
+    <p:spTree>
+      <p:nvGrpSpPr>
+        <p:cNvPr id="1" name=""/>
+        <p:cNvGrpSpPr/>
+        <p:nvPr/>
+      </p:nvGrpSpPr>
+      <p:grpSpPr>
+        <a:xfrm>
+          <a:off x="0" y="0"/>
+          <a:ext cx="0" cy="0"/>
+          <a:chOff x="0" y="0"/>
+          <a:chExt cx="0" cy="0"/>
+        </a:xfrm>
+      </p:grpSpPr>
+      <p:pic>
+        <p:nvPicPr>
+          <p:cNvPr id="5" name="Picture 4"/>
+          <p:cNvPicPr>
+            <a:picLocks noChangeAspect="1"/>
+          </p:cNvPicPr>
+          <p:nvPr/>
+        </p:nvPicPr>
+        <p:blipFill>
+          <a:blip r:embed="rId2">
+            <a:extLst>
+              <a:ext uri="{28A0092B-C50C-407E-A947-70E740481C1C}">
+                <a14:useLocalDpi xmlns:a14="http://schemas.microsoft.com/office/drawing/2010/main" val="0"/>
+              </a:ext>
+            </a:extLst>
+          </a:blip>
+          <a:stretch>
+            <a:fillRect/>
+          </a:stretch>
+        </p:blipFill>
+        <p:spPr>
+          <a:xfrm>
+            <a:off x="2423651" y="444499"/>
+            <a:ext cx="7739380" cy="1613743"/>
+          </a:xfrm>
+          <a:prstGeom prst="rect">
+            <a:avLst/>
+          </a:prstGeom>
+        </p:spPr>
+      </p:pic>
+      <p:pic>
+        <p:nvPicPr>
+          <p:cNvPr id="3" name="Picture 2"/>
+          <p:cNvPicPr>
+            <a:picLocks noChangeAspect="1"/>
+          </p:cNvPicPr>
+          <p:nvPr/>
+        </p:nvPicPr>
+        <p:blipFill>
+          <a:blip r:embed="rId3">
+            <a:extLst>
+              <a:ext uri="{28A0092B-C50C-407E-A947-70E740481C1C}">
+                <a14:useLocalDpi xmlns:a14="http://schemas.microsoft.com/office/drawing/2010/main" val="0"/>
+              </a:ext>
+            </a:extLst>
+          </a:blip>
+          <a:stretch>
+            <a:fillRect/>
+          </a:stretch>
+        </p:blipFill>
+        <p:spPr>
+          <a:xfrm>
+            <a:off x="1462298" y="2328340"/>
+            <a:ext cx="9662085" cy="4133419"/>
+          </a:xfrm>
+          <a:prstGeom prst="rect">
+            <a:avLst/>
+          </a:prstGeom>
+        </p:spPr>
+      </p:pic>
+    </p:spTree>
+    <p:extLst>
+      <p:ext uri="{BB962C8B-B14F-4D97-AF65-F5344CB8AC3E}">
+        <p14:creationId xmlns:p14="http://schemas.microsoft.com/office/powerpoint/2010/main" val="2660426619"/>
+      </p:ext>
+    </p:extLst>
+  </p:cSld>
+  <p:clrMapOvr>
+    <a:masterClrMapping/>
+  </p:clrMapOvr>
+  <p:timing>
+    <p:tnLst>
+      <p:par>
+        <p:cTn id="1" dur="indefinite" restart="never" nodeType="tmRoot"/>
+      </p:par>
+    </p:tnLst>
+  </p:timing>
+</p:sld>
+</file>
+
+<file path=ppt/slides/slide17.xml><?xml version="1.0" encoding="utf-8"?>
 <p:sld xmlns:a="http://schemas.openxmlformats.org/drawingml/2006/main" xmlns:r="http://schemas.openxmlformats.org/officeDocument/2006/relationships" xmlns:p="http://schemas.openxmlformats.org/presentationml/2006/main">
   <p:cSld>
     <p:spTree>
@@ -3321,20 +4162,87 @@
           </a:prstGeom>
         </p:spPr>
       </p:pic>
+      <p:pic>
+        <p:nvPicPr>
+          <p:cNvPr id="6" name="Picture 5" descr="A screenshot of a cell phone&#10;&#10;Description automatically generated">
+            <a:extLst>
+              <a:ext uri="{FF2B5EF4-FFF2-40B4-BE49-F238E27FC236}">
+                <a16:creationId xmlns:a16="http://schemas.microsoft.com/office/drawing/2014/main" xmlns="" id="{9E472624-7508-3A41-B6E2-74A574190488}"/>
+              </a:ext>
+            </a:extLst>
+          </p:cNvPr>
+          <p:cNvPicPr>
+            <a:picLocks noChangeAspect="1"/>
+          </p:cNvPicPr>
+          <p:nvPr/>
+        </p:nvPicPr>
+        <p:blipFill>
+          <a:blip r:embed="rId3"/>
+          <a:stretch>
+            <a:fillRect/>
+          </a:stretch>
+        </p:blipFill>
+        <p:spPr>
+          <a:xfrm>
+            <a:off x="2114550" y="2847340"/>
+            <a:ext cx="7962900" cy="3429000"/>
+          </a:xfrm>
+          <a:prstGeom prst="rect">
+            <a:avLst/>
+          </a:prstGeom>
+        </p:spPr>
+      </p:pic>
+      <p:pic>
+        <p:nvPicPr>
+          <p:cNvPr id="8" name="Picture 7" descr="A close up of a logo&#10;&#10;Description automatically generated">
+            <a:extLst>
+              <a:ext uri="{FF2B5EF4-FFF2-40B4-BE49-F238E27FC236}">
+                <a16:creationId xmlns:a16="http://schemas.microsoft.com/office/drawing/2014/main" xmlns="" id="{C45D4758-522B-4948-9676-797FC74174C5}"/>
+              </a:ext>
+            </a:extLst>
+          </p:cNvPr>
+          <p:cNvPicPr>
+            <a:picLocks noChangeAspect="1"/>
+          </p:cNvPicPr>
+          <p:nvPr/>
+        </p:nvPicPr>
+        <p:blipFill>
+          <a:blip r:embed="rId4"/>
+          <a:stretch>
+            <a:fillRect/>
+          </a:stretch>
+        </p:blipFill>
+        <p:spPr>
+          <a:xfrm>
+            <a:off x="1731981" y="2794000"/>
+            <a:ext cx="9090212" cy="3735892"/>
+          </a:xfrm>
+          <a:prstGeom prst="rect">
+            <a:avLst/>
+          </a:prstGeom>
+        </p:spPr>
+      </p:pic>
     </p:spTree>
     <p:extLst>
       <p:ext uri="{BB962C8B-B14F-4D97-AF65-F5344CB8AC3E}">
-        <p14:creationId xmlns:p14="http://schemas.microsoft.com/office/powerpoint/2010/main" val="1706474122"/>
+        <p14:creationId xmlns:p14="http://schemas.microsoft.com/office/powerpoint/2010/main" val="2646481591"/>
       </p:ext>
     </p:extLst>
   </p:cSld>
   <p:clrMapOvr>
     <a:masterClrMapping/>
   </p:clrMapOvr>
+  <p:timing>
+    <p:tnLst>
+      <p:par>
+        <p:cTn id="1" dur="indefinite" restart="never" nodeType="tmRoot"/>
+      </p:par>
+    </p:tnLst>
+  </p:timing>
 </p:sld>
 </file>
 
-<file path=ppt/slides/slide11.xml><?xml version="1.0" encoding="utf-8"?>
+<file path=ppt/slides/slide18.xml><?xml version="1.0" encoding="utf-8"?>
 <p:sld xmlns:a="http://schemas.openxmlformats.org/drawingml/2006/main" xmlns:r="http://schemas.openxmlformats.org/officeDocument/2006/relationships" xmlns:p="http://schemas.openxmlformats.org/presentationml/2006/main">
   <p:cSld>
     <p:spTree>
@@ -3353,7 +4261,7 @@
       </p:grpSpPr>
       <p:pic>
         <p:nvPicPr>
-          <p:cNvPr id="2" name="Picture 1"/>
+          <p:cNvPr id="3" name="Picture 2"/>
           <p:cNvPicPr>
             <a:picLocks noChangeAspect="1"/>
           </p:cNvPicPr>
@@ -3373,8 +4281,8 @@
         </p:blipFill>
         <p:spPr>
           <a:xfrm>
-            <a:off x="1562462" y="2597771"/>
-            <a:ext cx="8495937" cy="3796057"/>
+            <a:off x="2311581" y="581660"/>
+            <a:ext cx="6997700" cy="1397000"/>
           </a:xfrm>
           <a:prstGeom prst="rect">
             <a:avLst/>
@@ -3383,28 +4291,58 @@
       </p:pic>
       <p:pic>
         <p:nvPicPr>
-          <p:cNvPr id="3" name="Picture 2"/>
+          <p:cNvPr id="6" name="Picture 5" descr="A screenshot of a cell phone&#10;&#10;Description automatically generated">
+            <a:extLst>
+              <a:ext uri="{FF2B5EF4-FFF2-40B4-BE49-F238E27FC236}">
+                <a16:creationId xmlns:a16="http://schemas.microsoft.com/office/drawing/2014/main" xmlns="" id="{9E472624-7508-3A41-B6E2-74A574190488}"/>
+              </a:ext>
+            </a:extLst>
+          </p:cNvPr>
           <p:cNvPicPr>
             <a:picLocks noChangeAspect="1"/>
           </p:cNvPicPr>
           <p:nvPr/>
         </p:nvPicPr>
         <p:blipFill>
-          <a:blip r:embed="rId3">
-            <a:extLst>
-              <a:ext uri="{28A0092B-C50C-407E-A947-70E740481C1C}">
-                <a14:useLocalDpi xmlns:a14="http://schemas.microsoft.com/office/drawing/2010/main" val="0"/>
-              </a:ext>
-            </a:extLst>
-          </a:blip>
+          <a:blip r:embed="rId3"/>
           <a:stretch>
             <a:fillRect/>
           </a:stretch>
         </p:blipFill>
         <p:spPr>
           <a:xfrm>
-            <a:off x="2311581" y="581660"/>
-            <a:ext cx="6997700" cy="1397000"/>
+            <a:off x="2114550" y="2847340"/>
+            <a:ext cx="7962900" cy="3429000"/>
+          </a:xfrm>
+          <a:prstGeom prst="rect">
+            <a:avLst/>
+          </a:prstGeom>
+        </p:spPr>
+      </p:pic>
+      <p:pic>
+        <p:nvPicPr>
+          <p:cNvPr id="8" name="Picture 7" descr="A close up of a logo&#10;&#10;Description automatically generated">
+            <a:extLst>
+              <a:ext uri="{FF2B5EF4-FFF2-40B4-BE49-F238E27FC236}">
+                <a16:creationId xmlns:a16="http://schemas.microsoft.com/office/drawing/2014/main" xmlns="" id="{C45D4758-522B-4948-9676-797FC74174C5}"/>
+              </a:ext>
+            </a:extLst>
+          </p:cNvPr>
+          <p:cNvPicPr>
+            <a:picLocks noChangeAspect="1"/>
+          </p:cNvPicPr>
+          <p:nvPr/>
+        </p:nvPicPr>
+        <p:blipFill>
+          <a:blip r:embed="rId4"/>
+          <a:stretch>
+            <a:fillRect/>
+          </a:stretch>
+        </p:blipFill>
+        <p:spPr>
+          <a:xfrm>
+            <a:off x="1731981" y="3506992"/>
+            <a:ext cx="9090212" cy="3022899"/>
           </a:xfrm>
           <a:prstGeom prst="rect">
             <a:avLst/>
@@ -3414,17 +4352,24 @@
     </p:spTree>
     <p:extLst>
       <p:ext uri="{BB962C8B-B14F-4D97-AF65-F5344CB8AC3E}">
-        <p14:creationId xmlns:p14="http://schemas.microsoft.com/office/powerpoint/2010/main" val="860371272"/>
+        <p14:creationId xmlns:p14="http://schemas.microsoft.com/office/powerpoint/2010/main" val="2619368879"/>
       </p:ext>
     </p:extLst>
   </p:cSld>
   <p:clrMapOvr>
     <a:masterClrMapping/>
   </p:clrMapOvr>
+  <p:timing>
+    <p:tnLst>
+      <p:par>
+        <p:cTn id="1" dur="indefinite" restart="never" nodeType="tmRoot"/>
+      </p:par>
+    </p:tnLst>
+  </p:timing>
 </p:sld>
 </file>
 
-<file path=ppt/slides/slide12.xml><?xml version="1.0" encoding="utf-8"?>
+<file path=ppt/slides/slide19.xml><?xml version="1.0" encoding="utf-8"?>
 <p:sld xmlns:a="http://schemas.openxmlformats.org/drawingml/2006/main" xmlns:r="http://schemas.openxmlformats.org/officeDocument/2006/relationships" xmlns:p="http://schemas.openxmlformats.org/presentationml/2006/main">
   <p:cSld>
     <p:spTree>
@@ -3443,7 +4388,7 @@
       </p:grpSpPr>
       <p:pic>
         <p:nvPicPr>
-          <p:cNvPr id="2" name="Picture 1"/>
+          <p:cNvPr id="3" name="Picture 2"/>
           <p:cNvPicPr>
             <a:picLocks noChangeAspect="1"/>
           </p:cNvPicPr>
@@ -3463,8 +4408,8 @@
         </p:blipFill>
         <p:spPr>
           <a:xfrm>
-            <a:off x="1562462" y="2597771"/>
-            <a:ext cx="8495937" cy="3796057"/>
+            <a:off x="2311581" y="581660"/>
+            <a:ext cx="6997700" cy="1397000"/>
           </a:xfrm>
           <a:prstGeom prst="rect">
             <a:avLst/>
@@ -3473,167 +4418,81 @@
       </p:pic>
       <p:pic>
         <p:nvPicPr>
-          <p:cNvPr id="3" name="Picture 2"/>
+          <p:cNvPr id="6" name="Picture 5" descr="A screenshot of a cell phone&#10;&#10;Description automatically generated">
+            <a:extLst>
+              <a:ext uri="{FF2B5EF4-FFF2-40B4-BE49-F238E27FC236}">
+                <a16:creationId xmlns:a16="http://schemas.microsoft.com/office/drawing/2014/main" xmlns="" id="{9E472624-7508-3A41-B6E2-74A574190488}"/>
+              </a:ext>
+            </a:extLst>
+          </p:cNvPr>
           <p:cNvPicPr>
             <a:picLocks noChangeAspect="1"/>
           </p:cNvPicPr>
           <p:nvPr/>
         </p:nvPicPr>
         <p:blipFill>
-          <a:blip r:embed="rId3">
-            <a:extLst>
-              <a:ext uri="{28A0092B-C50C-407E-A947-70E740481C1C}">
-                <a14:useLocalDpi xmlns:a14="http://schemas.microsoft.com/office/drawing/2010/main" val="0"/>
-              </a:ext>
-            </a:extLst>
-          </a:blip>
+          <a:blip r:embed="rId3"/>
           <a:stretch>
             <a:fillRect/>
           </a:stretch>
         </p:blipFill>
         <p:spPr>
           <a:xfrm>
-            <a:off x="2311581" y="581660"/>
-            <a:ext cx="6997700" cy="1397000"/>
+            <a:off x="2114550" y="2847340"/>
+            <a:ext cx="7962900" cy="3429000"/>
           </a:xfrm>
           <a:prstGeom prst="rect">
             <a:avLst/>
           </a:prstGeom>
         </p:spPr>
       </p:pic>
-      <p:sp>
-        <p:nvSpPr>
-          <p:cNvPr id="4" name="Oval 3"/>
-          <p:cNvSpPr/>
+      <p:pic>
+        <p:nvPicPr>
+          <p:cNvPr id="8" name="Picture 7" descr="A close up of a logo&#10;&#10;Description automatically generated">
+            <a:extLst>
+              <a:ext uri="{FF2B5EF4-FFF2-40B4-BE49-F238E27FC236}">
+                <a16:creationId xmlns:a16="http://schemas.microsoft.com/office/drawing/2014/main" xmlns="" id="{C45D4758-522B-4948-9676-797FC74174C5}"/>
+              </a:ext>
+            </a:extLst>
+          </p:cNvPr>
+          <p:cNvPicPr>
+            <a:picLocks noChangeAspect="1"/>
+          </p:cNvPicPr>
           <p:nvPr/>
-        </p:nvSpPr>
-        <p:spPr>
-          <a:xfrm>
-            <a:off x="6598920" y="640080"/>
-            <a:ext cx="3093720" cy="640080"/>
-          </a:xfrm>
-          <a:prstGeom prst="ellipse">
+        </p:nvPicPr>
+        <p:blipFill>
+          <a:blip r:embed="rId4"/>
+          <a:stretch>
+            <a:fillRect/>
+          </a:stretch>
+        </p:blipFill>
+        <p:spPr>
+          <a:xfrm>
+            <a:off x="1731981" y="4141694"/>
+            <a:ext cx="9090212" cy="2388197"/>
+          </a:xfrm>
+          <a:prstGeom prst="rect">
             <a:avLst/>
           </a:prstGeom>
-          <a:noFill/>
-        </p:spPr>
-        <p:style>
-          <a:lnRef idx="2">
-            <a:schemeClr val="accent1">
-              <a:shade val="50000"/>
-            </a:schemeClr>
-          </a:lnRef>
-          <a:fillRef idx="1">
-            <a:schemeClr val="accent1"/>
-          </a:fillRef>
-          <a:effectRef idx="0">
-            <a:schemeClr val="accent1"/>
-          </a:effectRef>
-          <a:fontRef idx="minor">
-            <a:schemeClr val="lt1"/>
-          </a:fontRef>
-        </p:style>
-        <p:txBody>
-          <a:bodyPr rtlCol="0" anchor="ctr"/>
-          <a:lstStyle/>
-          <a:p>
-            <a:pPr algn="ctr"/>
-            <a:endParaRPr lang="en-US"/>
-          </a:p>
-        </p:txBody>
-      </p:sp>
-      <p:sp>
-        <p:nvSpPr>
-          <p:cNvPr id="5" name="Oval 4"/>
-          <p:cNvSpPr/>
-          <p:nvPr/>
-        </p:nvSpPr>
-        <p:spPr>
-          <a:xfrm>
-            <a:off x="5486400" y="3596640"/>
-            <a:ext cx="883920" cy="899160"/>
-          </a:xfrm>
-          <a:prstGeom prst="ellipse">
-            <a:avLst/>
-          </a:prstGeom>
-          <a:noFill/>
-        </p:spPr>
-        <p:style>
-          <a:lnRef idx="2">
-            <a:schemeClr val="accent1">
-              <a:shade val="50000"/>
-            </a:schemeClr>
-          </a:lnRef>
-          <a:fillRef idx="1">
-            <a:schemeClr val="accent1"/>
-          </a:fillRef>
-          <a:effectRef idx="0">
-            <a:schemeClr val="accent1"/>
-          </a:effectRef>
-          <a:fontRef idx="minor">
-            <a:schemeClr val="lt1"/>
-          </a:fontRef>
-        </p:style>
-        <p:txBody>
-          <a:bodyPr rtlCol="0" anchor="ctr"/>
-          <a:lstStyle/>
-          <a:p>
-            <a:pPr algn="ctr"/>
-            <a:endParaRPr lang="en-US"/>
-          </a:p>
-        </p:txBody>
-      </p:sp>
-      <p:sp>
-        <p:nvSpPr>
-          <p:cNvPr id="6" name="Right Arrow 5"/>
-          <p:cNvSpPr/>
-          <p:nvPr/>
-        </p:nvSpPr>
-        <p:spPr>
-          <a:xfrm rot="6952290">
-            <a:off x="5516903" y="2151391"/>
-            <a:ext cx="2499370" cy="630108"/>
-          </a:xfrm>
-          <a:prstGeom prst="rightArrow">
-            <a:avLst/>
-          </a:prstGeom>
-          <a:noFill/>
-        </p:spPr>
-        <p:style>
-          <a:lnRef idx="2">
-            <a:schemeClr val="accent1">
-              <a:shade val="50000"/>
-            </a:schemeClr>
-          </a:lnRef>
-          <a:fillRef idx="1">
-            <a:schemeClr val="accent1"/>
-          </a:fillRef>
-          <a:effectRef idx="0">
-            <a:schemeClr val="accent1"/>
-          </a:effectRef>
-          <a:fontRef idx="minor">
-            <a:schemeClr val="lt1"/>
-          </a:fontRef>
-        </p:style>
-        <p:txBody>
-          <a:bodyPr rtlCol="0" anchor="ctr"/>
-          <a:lstStyle/>
-          <a:p>
-            <a:pPr algn="ctr"/>
-            <a:endParaRPr lang="en-US"/>
-          </a:p>
-        </p:txBody>
-      </p:sp>
+        </p:spPr>
+      </p:pic>
     </p:spTree>
     <p:extLst>
       <p:ext uri="{BB962C8B-B14F-4D97-AF65-F5344CB8AC3E}">
-        <p14:creationId xmlns:p14="http://schemas.microsoft.com/office/powerpoint/2010/main" val="927457999"/>
+        <p14:creationId xmlns:p14="http://schemas.microsoft.com/office/powerpoint/2010/main" val="1069830304"/>
       </p:ext>
     </p:extLst>
   </p:cSld>
   <p:clrMapOvr>
     <a:masterClrMapping/>
   </p:clrMapOvr>
+  <p:timing>
+    <p:tnLst>
+      <p:par>
+        <p:cTn id="1" dur="indefinite" restart="never" nodeType="tmRoot"/>
+      </p:par>
+    </p:tnLst>
+  </p:timing>
 </p:sld>
 </file>
 
@@ -3672,18 +4531,13 @@
           <a:lstStyle/>
           <a:p>
             <a:r>
-              <a:rPr lang="en-US" sz="4000" dirty="0" smtClean="0">
+              <a:rPr lang="en-US" sz="4000" dirty="0">
                 <a:latin typeface="Arial Black" charset="0"/>
                 <a:ea typeface="Arial Black" charset="0"/>
                 <a:cs typeface="Arial Black" charset="0"/>
               </a:rPr>
               <a:t>Reference</a:t>
             </a:r>
-            <a:endParaRPr lang="en-US" sz="4000" dirty="0">
-              <a:latin typeface="Arial Black" charset="0"/>
-              <a:ea typeface="Arial Black" charset="0"/>
-              <a:cs typeface="Arial Black" charset="0"/>
-            </a:endParaRPr>
           </a:p>
         </p:txBody>
       </p:sp>
@@ -3702,7 +4556,7 @@
           <a:bodyPr/>
           <a:lstStyle/>
           <a:p>
-            <a:endParaRPr lang="en-US" sz="2000" dirty="0" smtClean="0">
+            <a:endParaRPr lang="en-US" sz="2000" dirty="0">
               <a:latin typeface="Arial Black" charset="0"/>
               <a:ea typeface="Arial Black" charset="0"/>
               <a:cs typeface="Arial Black" charset="0"/>
@@ -3711,7 +4565,7 @@
           </a:p>
           <a:p>
             <a:r>
-              <a:rPr lang="en-US" sz="2000" dirty="0" smtClean="0">
+              <a:rPr lang="en-US" sz="2000" dirty="0">
                 <a:latin typeface="Arial Black" charset="0"/>
                 <a:ea typeface="Arial Black" charset="0"/>
                 <a:cs typeface="Arial Black" charset="0"/>
@@ -3719,14 +4573,14 @@
               </a:rPr>
               <a:t>Data</a:t>
             </a:r>
-            <a:endParaRPr lang="en-US" sz="2000" dirty="0" smtClean="0">
+            <a:endParaRPr lang="en-US" sz="2000" dirty="0">
               <a:latin typeface="Arial Black" charset="0"/>
               <a:ea typeface="Arial Black" charset="0"/>
               <a:cs typeface="Arial Black" charset="0"/>
             </a:endParaRPr>
           </a:p>
           <a:p>
-            <a:endParaRPr lang="en-US" sz="2000" dirty="0" smtClean="0">
+            <a:endParaRPr lang="en-US" sz="2000" dirty="0">
               <a:latin typeface="Arial Black" charset="0"/>
               <a:ea typeface="Arial Black" charset="0"/>
               <a:cs typeface="Arial Black" charset="0"/>
@@ -3734,7 +4588,7 @@
           </a:p>
           <a:p>
             <a:r>
-              <a:rPr lang="en-US" sz="2000" dirty="0" smtClean="0">
+              <a:rPr lang="en-US" sz="2000" dirty="0">
                 <a:latin typeface="Arial Black" charset="0"/>
                 <a:ea typeface="Arial Black" charset="0"/>
                 <a:cs typeface="Arial Black" charset="0"/>
@@ -3742,14 +4596,14 @@
               </a:rPr>
               <a:t>Youtube</a:t>
             </a:r>
-            <a:endParaRPr lang="en-US" sz="2000" dirty="0" smtClean="0">
+            <a:endParaRPr lang="en-US" sz="2000" dirty="0">
               <a:latin typeface="Arial Black" charset="0"/>
               <a:ea typeface="Arial Black" charset="0"/>
               <a:cs typeface="Arial Black" charset="0"/>
             </a:endParaRPr>
           </a:p>
           <a:p>
-            <a:endParaRPr lang="en-US" dirty="0" smtClean="0">
+            <a:endParaRPr lang="en-US" dirty="0">
               <a:latin typeface="Arial Black" charset="0"/>
               <a:ea typeface="Arial Black" charset="0"/>
               <a:cs typeface="Arial Black" charset="0"/>
@@ -3757,7 +4611,7 @@
           </a:p>
           <a:p>
             <a:r>
-              <a:rPr lang="en-US" sz="2000" dirty="0" smtClean="0">
+              <a:rPr lang="en-US" sz="2000" dirty="0">
                 <a:latin typeface="Arial Black" charset="0"/>
                 <a:ea typeface="Arial Black" charset="0"/>
                 <a:cs typeface="Arial Black" charset="0"/>
@@ -3765,7 +4619,7 @@
               </a:rPr>
               <a:t>Code</a:t>
             </a:r>
-            <a:endParaRPr lang="en-US" sz="2000" dirty="0" smtClean="0">
+            <a:endParaRPr lang="en-US" sz="2000" dirty="0">
               <a:latin typeface="Arial Black" charset="0"/>
               <a:ea typeface="Arial Black" charset="0"/>
               <a:cs typeface="Arial Black" charset="0"/>
@@ -3778,6 +4632,357 @@
     <p:extLst>
       <p:ext uri="{BB962C8B-B14F-4D97-AF65-F5344CB8AC3E}">
         <p14:creationId xmlns:p14="http://schemas.microsoft.com/office/powerpoint/2010/main" val="1236261881"/>
+      </p:ext>
+    </p:extLst>
+  </p:cSld>
+  <p:clrMapOvr>
+    <a:masterClrMapping/>
+  </p:clrMapOvr>
+  <p:timing>
+    <p:tnLst>
+      <p:par>
+        <p:cTn id="1" dur="indefinite" restart="never" nodeType="tmRoot"/>
+      </p:par>
+    </p:tnLst>
+  </p:timing>
+</p:sld>
+</file>
+
+<file path=ppt/slides/slide20.xml><?xml version="1.0" encoding="utf-8"?>
+<p:sld xmlns:a="http://schemas.openxmlformats.org/drawingml/2006/main" xmlns:r="http://schemas.openxmlformats.org/officeDocument/2006/relationships" xmlns:p="http://schemas.openxmlformats.org/presentationml/2006/main">
+  <p:cSld>
+    <p:spTree>
+      <p:nvGrpSpPr>
+        <p:cNvPr id="1" name=""/>
+        <p:cNvGrpSpPr/>
+        <p:nvPr/>
+      </p:nvGrpSpPr>
+      <p:grpSpPr>
+        <a:xfrm>
+          <a:off x="0" y="0"/>
+          <a:ext cx="0" cy="0"/>
+          <a:chOff x="0" y="0"/>
+          <a:chExt cx="0" cy="0"/>
+        </a:xfrm>
+      </p:grpSpPr>
+      <p:pic>
+        <p:nvPicPr>
+          <p:cNvPr id="3" name="Picture 2"/>
+          <p:cNvPicPr>
+            <a:picLocks noChangeAspect="1"/>
+          </p:cNvPicPr>
+          <p:nvPr/>
+        </p:nvPicPr>
+        <p:blipFill>
+          <a:blip r:embed="rId2">
+            <a:extLst>
+              <a:ext uri="{28A0092B-C50C-407E-A947-70E740481C1C}">
+                <a14:useLocalDpi xmlns:a14="http://schemas.microsoft.com/office/drawing/2010/main" val="0"/>
+              </a:ext>
+            </a:extLst>
+          </a:blip>
+          <a:stretch>
+            <a:fillRect/>
+          </a:stretch>
+        </p:blipFill>
+        <p:spPr>
+          <a:xfrm>
+            <a:off x="2311581" y="581660"/>
+            <a:ext cx="6997700" cy="1397000"/>
+          </a:xfrm>
+          <a:prstGeom prst="rect">
+            <a:avLst/>
+          </a:prstGeom>
+        </p:spPr>
+      </p:pic>
+      <p:pic>
+        <p:nvPicPr>
+          <p:cNvPr id="6" name="Picture 5" descr="A screenshot of a cell phone&#10;&#10;Description automatically generated">
+            <a:extLst>
+              <a:ext uri="{FF2B5EF4-FFF2-40B4-BE49-F238E27FC236}">
+                <a16:creationId xmlns:a16="http://schemas.microsoft.com/office/drawing/2014/main" xmlns="" id="{9E472624-7508-3A41-B6E2-74A574190488}"/>
+              </a:ext>
+            </a:extLst>
+          </p:cNvPr>
+          <p:cNvPicPr>
+            <a:picLocks noChangeAspect="1"/>
+          </p:cNvPicPr>
+          <p:nvPr/>
+        </p:nvPicPr>
+        <p:blipFill>
+          <a:blip r:embed="rId3"/>
+          <a:stretch>
+            <a:fillRect/>
+          </a:stretch>
+        </p:blipFill>
+        <p:spPr>
+          <a:xfrm>
+            <a:off x="2114550" y="2847340"/>
+            <a:ext cx="7962900" cy="3429000"/>
+          </a:xfrm>
+          <a:prstGeom prst="rect">
+            <a:avLst/>
+          </a:prstGeom>
+        </p:spPr>
+      </p:pic>
+      <p:pic>
+        <p:nvPicPr>
+          <p:cNvPr id="8" name="Picture 7" descr="A close up of a logo&#10;&#10;Description automatically generated">
+            <a:extLst>
+              <a:ext uri="{FF2B5EF4-FFF2-40B4-BE49-F238E27FC236}">
+                <a16:creationId xmlns:a16="http://schemas.microsoft.com/office/drawing/2014/main" xmlns="" id="{C45D4758-522B-4948-9676-797FC74174C5}"/>
+              </a:ext>
+            </a:extLst>
+          </p:cNvPr>
+          <p:cNvPicPr>
+            <a:picLocks noChangeAspect="1"/>
+          </p:cNvPicPr>
+          <p:nvPr/>
+        </p:nvPicPr>
+        <p:blipFill>
+          <a:blip r:embed="rId4"/>
+          <a:stretch>
+            <a:fillRect/>
+          </a:stretch>
+        </p:blipFill>
+        <p:spPr>
+          <a:xfrm>
+            <a:off x="1731981" y="4894729"/>
+            <a:ext cx="9090212" cy="1635162"/>
+          </a:xfrm>
+          <a:prstGeom prst="rect">
+            <a:avLst/>
+          </a:prstGeom>
+        </p:spPr>
+      </p:pic>
+    </p:spTree>
+    <p:extLst>
+      <p:ext uri="{BB962C8B-B14F-4D97-AF65-F5344CB8AC3E}">
+        <p14:creationId xmlns:p14="http://schemas.microsoft.com/office/powerpoint/2010/main" val="3033945413"/>
+      </p:ext>
+    </p:extLst>
+  </p:cSld>
+  <p:clrMapOvr>
+    <a:masterClrMapping/>
+  </p:clrMapOvr>
+  <p:timing>
+    <p:tnLst>
+      <p:par>
+        <p:cTn id="1" dur="indefinite" restart="never" nodeType="tmRoot"/>
+      </p:par>
+    </p:tnLst>
+  </p:timing>
+</p:sld>
+</file>
+
+<file path=ppt/slides/slide21.xml><?xml version="1.0" encoding="utf-8"?>
+<p:sld xmlns:a="http://schemas.openxmlformats.org/drawingml/2006/main" xmlns:r="http://schemas.openxmlformats.org/officeDocument/2006/relationships" xmlns:p="http://schemas.openxmlformats.org/presentationml/2006/main">
+  <p:cSld>
+    <p:spTree>
+      <p:nvGrpSpPr>
+        <p:cNvPr id="1" name=""/>
+        <p:cNvGrpSpPr/>
+        <p:nvPr/>
+      </p:nvGrpSpPr>
+      <p:grpSpPr>
+        <a:xfrm>
+          <a:off x="0" y="0"/>
+          <a:ext cx="0" cy="0"/>
+          <a:chOff x="0" y="0"/>
+          <a:chExt cx="0" cy="0"/>
+        </a:xfrm>
+      </p:grpSpPr>
+      <p:pic>
+        <p:nvPicPr>
+          <p:cNvPr id="3" name="Picture 2"/>
+          <p:cNvPicPr>
+            <a:picLocks noChangeAspect="1"/>
+          </p:cNvPicPr>
+          <p:nvPr/>
+        </p:nvPicPr>
+        <p:blipFill>
+          <a:blip r:embed="rId2">
+            <a:extLst>
+              <a:ext uri="{28A0092B-C50C-407E-A947-70E740481C1C}">
+                <a14:useLocalDpi xmlns:a14="http://schemas.microsoft.com/office/drawing/2010/main" val="0"/>
+              </a:ext>
+            </a:extLst>
+          </a:blip>
+          <a:stretch>
+            <a:fillRect/>
+          </a:stretch>
+        </p:blipFill>
+        <p:spPr>
+          <a:xfrm>
+            <a:off x="2311581" y="581660"/>
+            <a:ext cx="6997700" cy="1397000"/>
+          </a:xfrm>
+          <a:prstGeom prst="rect">
+            <a:avLst/>
+          </a:prstGeom>
+        </p:spPr>
+      </p:pic>
+      <p:pic>
+        <p:nvPicPr>
+          <p:cNvPr id="6" name="Picture 5" descr="A screenshot of a cell phone&#10;&#10;Description automatically generated">
+            <a:extLst>
+              <a:ext uri="{FF2B5EF4-FFF2-40B4-BE49-F238E27FC236}">
+                <a16:creationId xmlns:a16="http://schemas.microsoft.com/office/drawing/2014/main" xmlns="" id="{9E472624-7508-3A41-B6E2-74A574190488}"/>
+              </a:ext>
+            </a:extLst>
+          </p:cNvPr>
+          <p:cNvPicPr>
+            <a:picLocks noChangeAspect="1"/>
+          </p:cNvPicPr>
+          <p:nvPr/>
+        </p:nvPicPr>
+        <p:blipFill>
+          <a:blip r:embed="rId3"/>
+          <a:stretch>
+            <a:fillRect/>
+          </a:stretch>
+        </p:blipFill>
+        <p:spPr>
+          <a:xfrm>
+            <a:off x="2114550" y="2847340"/>
+            <a:ext cx="7962900" cy="3429000"/>
+          </a:xfrm>
+          <a:prstGeom prst="rect">
+            <a:avLst/>
+          </a:prstGeom>
+        </p:spPr>
+      </p:pic>
+      <p:pic>
+        <p:nvPicPr>
+          <p:cNvPr id="8" name="Picture 7" descr="A close up of a logo&#10;&#10;Description automatically generated">
+            <a:extLst>
+              <a:ext uri="{FF2B5EF4-FFF2-40B4-BE49-F238E27FC236}">
+                <a16:creationId xmlns:a16="http://schemas.microsoft.com/office/drawing/2014/main" xmlns="" id="{C45D4758-522B-4948-9676-797FC74174C5}"/>
+              </a:ext>
+            </a:extLst>
+          </p:cNvPr>
+          <p:cNvPicPr>
+            <a:picLocks noChangeAspect="1"/>
+          </p:cNvPicPr>
+          <p:nvPr/>
+        </p:nvPicPr>
+        <p:blipFill>
+          <a:blip r:embed="rId4"/>
+          <a:stretch>
+            <a:fillRect/>
+          </a:stretch>
+        </p:blipFill>
+        <p:spPr>
+          <a:xfrm>
+            <a:off x="1731981" y="5604733"/>
+            <a:ext cx="9090212" cy="925157"/>
+          </a:xfrm>
+          <a:prstGeom prst="rect">
+            <a:avLst/>
+          </a:prstGeom>
+        </p:spPr>
+      </p:pic>
+    </p:spTree>
+    <p:extLst>
+      <p:ext uri="{BB962C8B-B14F-4D97-AF65-F5344CB8AC3E}">
+        <p14:creationId xmlns:p14="http://schemas.microsoft.com/office/powerpoint/2010/main" val="1225642091"/>
+      </p:ext>
+    </p:extLst>
+  </p:cSld>
+  <p:clrMapOvr>
+    <a:masterClrMapping/>
+  </p:clrMapOvr>
+  <p:timing>
+    <p:tnLst>
+      <p:par>
+        <p:cTn id="1" dur="indefinite" restart="never" nodeType="tmRoot"/>
+      </p:par>
+    </p:tnLst>
+  </p:timing>
+</p:sld>
+</file>
+
+<file path=ppt/slides/slide22.xml><?xml version="1.0" encoding="utf-8"?>
+<p:sld xmlns:a="http://schemas.openxmlformats.org/drawingml/2006/main" xmlns:r="http://schemas.openxmlformats.org/officeDocument/2006/relationships" xmlns:p="http://schemas.openxmlformats.org/presentationml/2006/main">
+  <p:cSld>
+    <p:spTree>
+      <p:nvGrpSpPr>
+        <p:cNvPr id="1" name=""/>
+        <p:cNvGrpSpPr/>
+        <p:nvPr/>
+      </p:nvGrpSpPr>
+      <p:grpSpPr>
+        <a:xfrm>
+          <a:off x="0" y="0"/>
+          <a:ext cx="0" cy="0"/>
+          <a:chOff x="0" y="0"/>
+          <a:chExt cx="0" cy="0"/>
+        </a:xfrm>
+      </p:grpSpPr>
+      <p:pic>
+        <p:nvPicPr>
+          <p:cNvPr id="3" name="Picture 2"/>
+          <p:cNvPicPr>
+            <a:picLocks noChangeAspect="1"/>
+          </p:cNvPicPr>
+          <p:nvPr/>
+        </p:nvPicPr>
+        <p:blipFill>
+          <a:blip r:embed="rId2">
+            <a:extLst>
+              <a:ext uri="{28A0092B-C50C-407E-A947-70E740481C1C}">
+                <a14:useLocalDpi xmlns:a14="http://schemas.microsoft.com/office/drawing/2010/main" val="0"/>
+              </a:ext>
+            </a:extLst>
+          </a:blip>
+          <a:stretch>
+            <a:fillRect/>
+          </a:stretch>
+        </p:blipFill>
+        <p:spPr>
+          <a:xfrm>
+            <a:off x="2311581" y="581660"/>
+            <a:ext cx="6997700" cy="1397000"/>
+          </a:xfrm>
+          <a:prstGeom prst="rect">
+            <a:avLst/>
+          </a:prstGeom>
+        </p:spPr>
+      </p:pic>
+      <p:pic>
+        <p:nvPicPr>
+          <p:cNvPr id="6" name="Picture 5" descr="A screenshot of a cell phone&#10;&#10;Description automatically generated">
+            <a:extLst>
+              <a:ext uri="{FF2B5EF4-FFF2-40B4-BE49-F238E27FC236}">
+                <a16:creationId xmlns:a16="http://schemas.microsoft.com/office/drawing/2014/main" xmlns="" id="{9E472624-7508-3A41-B6E2-74A574190488}"/>
+              </a:ext>
+            </a:extLst>
+          </p:cNvPr>
+          <p:cNvPicPr>
+            <a:picLocks noChangeAspect="1"/>
+          </p:cNvPicPr>
+          <p:nvPr/>
+        </p:nvPicPr>
+        <p:blipFill>
+          <a:blip r:embed="rId3"/>
+          <a:stretch>
+            <a:fillRect/>
+          </a:stretch>
+        </p:blipFill>
+        <p:spPr>
+          <a:xfrm>
+            <a:off x="2114550" y="2847340"/>
+            <a:ext cx="7962900" cy="3429000"/>
+          </a:xfrm>
+          <a:prstGeom prst="rect">
+            <a:avLst/>
+          </a:prstGeom>
+        </p:spPr>
+      </p:pic>
+    </p:spTree>
+    <p:extLst>
+      <p:ext uri="{BB962C8B-B14F-4D97-AF65-F5344CB8AC3E}">
+        <p14:creationId xmlns:p14="http://schemas.microsoft.com/office/powerpoint/2010/main" val="1627782178"/>
       </p:ext>
     </p:extLst>
   </p:cSld>
@@ -3834,18 +5039,13 @@
           <a:lstStyle/>
           <a:p>
             <a:r>
-              <a:rPr lang="en-US" sz="4000" dirty="0" smtClean="0">
+              <a:rPr lang="en-US" sz="4000" dirty="0">
                 <a:latin typeface="Arial Black" charset="0"/>
                 <a:ea typeface="Arial Black" charset="0"/>
                 <a:cs typeface="Arial Black" charset="0"/>
               </a:rPr>
               <a:t>[2014]</a:t>
             </a:r>
-            <a:endParaRPr lang="en-US" sz="4000" dirty="0">
-              <a:latin typeface="Arial Black" charset="0"/>
-              <a:ea typeface="Arial Black" charset="0"/>
-              <a:cs typeface="Arial Black" charset="0"/>
-            </a:endParaRPr>
           </a:p>
         </p:txBody>
       </p:sp>
@@ -3889,6 +5089,13 @@
   <p:clrMapOvr>
     <a:masterClrMapping/>
   </p:clrMapOvr>
+  <p:timing>
+    <p:tnLst>
+      <p:par>
+        <p:cTn id="1" dur="indefinite" restart="never" nodeType="tmRoot"/>
+      </p:par>
+    </p:tnLst>
+  </p:timing>
 </p:sld>
 </file>
 
@@ -3939,16 +5146,83 @@
           </a:prstGeom>
         </p:spPr>
       </p:pic>
+      <p:pic>
+        <p:nvPicPr>
+          <p:cNvPr id="6" name="Picture 5" descr="A screenshot of a cell phone&#10;&#10;Description automatically generated">
+            <a:extLst>
+              <a:ext uri="{FF2B5EF4-FFF2-40B4-BE49-F238E27FC236}">
+                <a16:creationId xmlns:a16="http://schemas.microsoft.com/office/drawing/2014/main" xmlns="" id="{12805C2C-29F0-244E-B1A4-4460CDB43D19}"/>
+              </a:ext>
+            </a:extLst>
+          </p:cNvPr>
+          <p:cNvPicPr>
+            <a:picLocks noChangeAspect="1"/>
+          </p:cNvPicPr>
+          <p:nvPr/>
+        </p:nvPicPr>
+        <p:blipFill>
+          <a:blip r:embed="rId3"/>
+          <a:stretch>
+            <a:fillRect/>
+          </a:stretch>
+        </p:blipFill>
+        <p:spPr>
+          <a:xfrm>
+            <a:off x="1840201" y="2295497"/>
+            <a:ext cx="8511598" cy="4216857"/>
+          </a:xfrm>
+          <a:prstGeom prst="rect">
+            <a:avLst/>
+          </a:prstGeom>
+        </p:spPr>
+      </p:pic>
+      <p:pic>
+        <p:nvPicPr>
+          <p:cNvPr id="8" name="Picture 7" descr="A close up of a logo&#10;&#10;Description automatically generated">
+            <a:extLst>
+              <a:ext uri="{FF2B5EF4-FFF2-40B4-BE49-F238E27FC236}">
+                <a16:creationId xmlns:a16="http://schemas.microsoft.com/office/drawing/2014/main" xmlns="" id="{37DF019B-D68F-B94F-88A5-6BC7D7643BC2}"/>
+              </a:ext>
+            </a:extLst>
+          </p:cNvPr>
+          <p:cNvPicPr>
+            <a:picLocks noChangeAspect="1"/>
+          </p:cNvPicPr>
+          <p:nvPr/>
+        </p:nvPicPr>
+        <p:blipFill>
+          <a:blip r:embed="rId4"/>
+          <a:stretch>
+            <a:fillRect/>
+          </a:stretch>
+        </p:blipFill>
+        <p:spPr>
+          <a:xfrm>
+            <a:off x="1186249" y="2295497"/>
+            <a:ext cx="10392031" cy="4118004"/>
+          </a:xfrm>
+          <a:prstGeom prst="rect">
+            <a:avLst/>
+          </a:prstGeom>
+        </p:spPr>
+      </p:pic>
     </p:spTree>
     <p:extLst>
       <p:ext uri="{BB962C8B-B14F-4D97-AF65-F5344CB8AC3E}">
-        <p14:creationId xmlns:p14="http://schemas.microsoft.com/office/powerpoint/2010/main" val="1567274541"/>
+        <p14:creationId xmlns:p14="http://schemas.microsoft.com/office/powerpoint/2010/main" val="2734769829"/>
       </p:ext>
     </p:extLst>
   </p:cSld>
   <p:clrMapOvr>
     <a:masterClrMapping/>
   </p:clrMapOvr>
+  <p:timing>
+    <p:tnLst>
+      <p:par>
+        <p:cTn id="1" dur="indefinite" restart="never" nodeType="tmRoot"/>
+      </p:par>
+    </p:tnLst>
+  </p:timing>
 </p:sld>
 </file>
 
@@ -3971,7 +5245,7 @@
       </p:grpSpPr>
       <p:pic>
         <p:nvPicPr>
-          <p:cNvPr id="3" name="Picture 2"/>
+          <p:cNvPr id="5" name="Picture 4"/>
           <p:cNvPicPr>
             <a:picLocks noChangeAspect="1"/>
           </p:cNvPicPr>
@@ -3991,8 +5265,8 @@
         </p:blipFill>
         <p:spPr>
           <a:xfrm>
-            <a:off x="2513042" y="2688350"/>
-            <a:ext cx="7560597" cy="3727690"/>
+            <a:off x="2423651" y="444499"/>
+            <a:ext cx="7739380" cy="1613743"/>
           </a:xfrm>
           <a:prstGeom prst="rect">
             <a:avLst/>
@@ -4001,28 +5275,58 @@
       </p:pic>
       <p:pic>
         <p:nvPicPr>
-          <p:cNvPr id="5" name="Picture 4"/>
+          <p:cNvPr id="6" name="Picture 5" descr="A screenshot of a cell phone&#10;&#10;Description automatically generated">
+            <a:extLst>
+              <a:ext uri="{FF2B5EF4-FFF2-40B4-BE49-F238E27FC236}">
+                <a16:creationId xmlns:a16="http://schemas.microsoft.com/office/drawing/2014/main" xmlns="" id="{12805C2C-29F0-244E-B1A4-4460CDB43D19}"/>
+              </a:ext>
+            </a:extLst>
+          </p:cNvPr>
           <p:cNvPicPr>
             <a:picLocks noChangeAspect="1"/>
           </p:cNvPicPr>
           <p:nvPr/>
         </p:nvPicPr>
         <p:blipFill>
-          <a:blip r:embed="rId3">
-            <a:extLst>
-              <a:ext uri="{28A0092B-C50C-407E-A947-70E740481C1C}">
-                <a14:useLocalDpi xmlns:a14="http://schemas.microsoft.com/office/drawing/2010/main" val="0"/>
-              </a:ext>
-            </a:extLst>
-          </a:blip>
+          <a:blip r:embed="rId3"/>
           <a:stretch>
             <a:fillRect/>
           </a:stretch>
         </p:blipFill>
         <p:spPr>
           <a:xfrm>
-            <a:off x="2423651" y="444499"/>
-            <a:ext cx="7739380" cy="1613743"/>
+            <a:off x="1840201" y="2295497"/>
+            <a:ext cx="8511598" cy="4216857"/>
+          </a:xfrm>
+          <a:prstGeom prst="rect">
+            <a:avLst/>
+          </a:prstGeom>
+        </p:spPr>
+      </p:pic>
+      <p:pic>
+        <p:nvPicPr>
+          <p:cNvPr id="8" name="Picture 7" descr="A close up of a logo&#10;&#10;Description automatically generated">
+            <a:extLst>
+              <a:ext uri="{FF2B5EF4-FFF2-40B4-BE49-F238E27FC236}">
+                <a16:creationId xmlns:a16="http://schemas.microsoft.com/office/drawing/2014/main" xmlns="" id="{37DF019B-D68F-B94F-88A5-6BC7D7643BC2}"/>
+              </a:ext>
+            </a:extLst>
+          </p:cNvPr>
+          <p:cNvPicPr>
+            <a:picLocks noChangeAspect="1"/>
+          </p:cNvPicPr>
+          <p:nvPr/>
+        </p:nvPicPr>
+        <p:blipFill>
+          <a:blip r:embed="rId4"/>
+          <a:stretch>
+            <a:fillRect/>
+          </a:stretch>
+        </p:blipFill>
+        <p:spPr>
+          <a:xfrm>
+            <a:off x="1186249" y="2928551"/>
+            <a:ext cx="10392031" cy="3484950"/>
           </a:xfrm>
           <a:prstGeom prst="rect">
             <a:avLst/>
@@ -4032,13 +5336,20 @@
     </p:spTree>
     <p:extLst>
       <p:ext uri="{BB962C8B-B14F-4D97-AF65-F5344CB8AC3E}">
-        <p14:creationId xmlns:p14="http://schemas.microsoft.com/office/powerpoint/2010/main" val="455675764"/>
+        <p14:creationId xmlns:p14="http://schemas.microsoft.com/office/powerpoint/2010/main" val="1837188166"/>
       </p:ext>
     </p:extLst>
   </p:cSld>
   <p:clrMapOvr>
     <a:masterClrMapping/>
   </p:clrMapOvr>
+  <p:timing>
+    <p:tnLst>
+      <p:par>
+        <p:cTn id="1" dur="indefinite" restart="never" nodeType="tmRoot"/>
+      </p:par>
+    </p:tnLst>
+  </p:timing>
 </p:sld>
 </file>
 
@@ -4061,7 +5372,7 @@
       </p:grpSpPr>
       <p:pic>
         <p:nvPicPr>
-          <p:cNvPr id="3" name="Picture 2"/>
+          <p:cNvPr id="5" name="Picture 4"/>
           <p:cNvPicPr>
             <a:picLocks noChangeAspect="1"/>
           </p:cNvPicPr>
@@ -4081,8 +5392,8 @@
         </p:blipFill>
         <p:spPr>
           <a:xfrm>
-            <a:off x="2513042" y="2688350"/>
-            <a:ext cx="7560597" cy="3727690"/>
+            <a:off x="2423651" y="444499"/>
+            <a:ext cx="7739380" cy="1613743"/>
           </a:xfrm>
           <a:prstGeom prst="rect">
             <a:avLst/>
@@ -4091,167 +5402,81 @@
       </p:pic>
       <p:pic>
         <p:nvPicPr>
-          <p:cNvPr id="5" name="Picture 4"/>
+          <p:cNvPr id="6" name="Picture 5" descr="A screenshot of a cell phone&#10;&#10;Description automatically generated">
+            <a:extLst>
+              <a:ext uri="{FF2B5EF4-FFF2-40B4-BE49-F238E27FC236}">
+                <a16:creationId xmlns:a16="http://schemas.microsoft.com/office/drawing/2014/main" xmlns="" id="{12805C2C-29F0-244E-B1A4-4460CDB43D19}"/>
+              </a:ext>
+            </a:extLst>
+          </p:cNvPr>
           <p:cNvPicPr>
             <a:picLocks noChangeAspect="1"/>
           </p:cNvPicPr>
           <p:nvPr/>
         </p:nvPicPr>
         <p:blipFill>
-          <a:blip r:embed="rId3">
-            <a:extLst>
-              <a:ext uri="{28A0092B-C50C-407E-A947-70E740481C1C}">
-                <a14:useLocalDpi xmlns:a14="http://schemas.microsoft.com/office/drawing/2010/main" val="0"/>
-              </a:ext>
-            </a:extLst>
-          </a:blip>
+          <a:blip r:embed="rId3"/>
           <a:stretch>
             <a:fillRect/>
           </a:stretch>
         </p:blipFill>
         <p:spPr>
           <a:xfrm>
-            <a:off x="2423651" y="444499"/>
-            <a:ext cx="7739380" cy="1613743"/>
+            <a:off x="1840201" y="2295497"/>
+            <a:ext cx="8511598" cy="4216857"/>
           </a:xfrm>
           <a:prstGeom prst="rect">
             <a:avLst/>
           </a:prstGeom>
         </p:spPr>
       </p:pic>
-      <p:sp>
-        <p:nvSpPr>
-          <p:cNvPr id="6" name="Oval 5"/>
-          <p:cNvSpPr/>
+      <p:pic>
+        <p:nvPicPr>
+          <p:cNvPr id="8" name="Picture 7" descr="A close up of a logo&#10;&#10;Description automatically generated">
+            <a:extLst>
+              <a:ext uri="{FF2B5EF4-FFF2-40B4-BE49-F238E27FC236}">
+                <a16:creationId xmlns:a16="http://schemas.microsoft.com/office/drawing/2014/main" xmlns="" id="{37DF019B-D68F-B94F-88A5-6BC7D7643BC2}"/>
+              </a:ext>
+            </a:extLst>
+          </p:cNvPr>
+          <p:cNvPicPr>
+            <a:picLocks noChangeAspect="1"/>
+          </p:cNvPicPr>
           <p:nvPr/>
-        </p:nvSpPr>
-        <p:spPr>
-          <a:xfrm>
-            <a:off x="6842760" y="746760"/>
-            <a:ext cx="3093720" cy="640080"/>
-          </a:xfrm>
-          <a:prstGeom prst="ellipse">
+        </p:nvPicPr>
+        <p:blipFill>
+          <a:blip r:embed="rId4"/>
+          <a:stretch>
+            <a:fillRect/>
+          </a:stretch>
+        </p:blipFill>
+        <p:spPr>
+          <a:xfrm>
+            <a:off x="1186249" y="3521675"/>
+            <a:ext cx="10392031" cy="2891825"/>
+          </a:xfrm>
+          <a:prstGeom prst="rect">
             <a:avLst/>
           </a:prstGeom>
-          <a:noFill/>
-        </p:spPr>
-        <p:style>
-          <a:lnRef idx="2">
-            <a:schemeClr val="accent1">
-              <a:shade val="50000"/>
-            </a:schemeClr>
-          </a:lnRef>
-          <a:fillRef idx="1">
-            <a:schemeClr val="accent1"/>
-          </a:fillRef>
-          <a:effectRef idx="0">
-            <a:schemeClr val="accent1"/>
-          </a:effectRef>
-          <a:fontRef idx="minor">
-            <a:schemeClr val="lt1"/>
-          </a:fontRef>
-        </p:style>
-        <p:txBody>
-          <a:bodyPr rtlCol="0" anchor="ctr"/>
-          <a:lstStyle/>
-          <a:p>
-            <a:pPr algn="ctr"/>
-            <a:endParaRPr lang="en-US"/>
-          </a:p>
-        </p:txBody>
-      </p:sp>
-      <p:sp>
-        <p:nvSpPr>
-          <p:cNvPr id="7" name="Oval 6"/>
-          <p:cNvSpPr/>
-          <p:nvPr/>
-        </p:nvSpPr>
-        <p:spPr>
-          <a:xfrm>
-            <a:off x="4297680" y="3230880"/>
-            <a:ext cx="2377440" cy="838200"/>
-          </a:xfrm>
-          <a:prstGeom prst="ellipse">
-            <a:avLst/>
-          </a:prstGeom>
-          <a:noFill/>
-        </p:spPr>
-        <p:style>
-          <a:lnRef idx="2">
-            <a:schemeClr val="accent1">
-              <a:shade val="50000"/>
-            </a:schemeClr>
-          </a:lnRef>
-          <a:fillRef idx="1">
-            <a:schemeClr val="accent1"/>
-          </a:fillRef>
-          <a:effectRef idx="0">
-            <a:schemeClr val="accent1"/>
-          </a:effectRef>
-          <a:fontRef idx="minor">
-            <a:schemeClr val="lt1"/>
-          </a:fontRef>
-        </p:style>
-        <p:txBody>
-          <a:bodyPr rtlCol="0" anchor="ctr"/>
-          <a:lstStyle/>
-          <a:p>
-            <a:pPr algn="ctr"/>
-            <a:endParaRPr lang="en-US"/>
-          </a:p>
-        </p:txBody>
-      </p:sp>
-      <p:sp>
-        <p:nvSpPr>
-          <p:cNvPr id="8" name="Right Arrow 7"/>
-          <p:cNvSpPr/>
-          <p:nvPr/>
-        </p:nvSpPr>
-        <p:spPr>
-          <a:xfrm rot="6952290">
-            <a:off x="6392743" y="2270842"/>
-            <a:ext cx="1448853" cy="630108"/>
-          </a:xfrm>
-          <a:prstGeom prst="rightArrow">
-            <a:avLst/>
-          </a:prstGeom>
-          <a:noFill/>
-        </p:spPr>
-        <p:style>
-          <a:lnRef idx="2">
-            <a:schemeClr val="accent1">
-              <a:shade val="50000"/>
-            </a:schemeClr>
-          </a:lnRef>
-          <a:fillRef idx="1">
-            <a:schemeClr val="accent1"/>
-          </a:fillRef>
-          <a:effectRef idx="0">
-            <a:schemeClr val="accent1"/>
-          </a:effectRef>
-          <a:fontRef idx="minor">
-            <a:schemeClr val="lt1"/>
-          </a:fontRef>
-        </p:style>
-        <p:txBody>
-          <a:bodyPr rtlCol="0" anchor="ctr"/>
-          <a:lstStyle/>
-          <a:p>
-            <a:pPr algn="ctr"/>
-            <a:endParaRPr lang="en-US"/>
-          </a:p>
-        </p:txBody>
-      </p:sp>
+        </p:spPr>
+      </p:pic>
     </p:spTree>
     <p:extLst>
       <p:ext uri="{BB962C8B-B14F-4D97-AF65-F5344CB8AC3E}">
-        <p14:creationId xmlns:p14="http://schemas.microsoft.com/office/powerpoint/2010/main" val="364866485"/>
+        <p14:creationId xmlns:p14="http://schemas.microsoft.com/office/powerpoint/2010/main" val="1811577049"/>
       </p:ext>
     </p:extLst>
   </p:cSld>
   <p:clrMapOvr>
     <a:masterClrMapping/>
   </p:clrMapOvr>
+  <p:timing>
+    <p:tnLst>
+      <p:par>
+        <p:cTn id="1" dur="indefinite" restart="never" nodeType="tmRoot"/>
+      </p:par>
+    </p:tnLst>
+  </p:timing>
 </p:sld>
 </file>
 
@@ -4302,16 +5527,83 @@
           </a:prstGeom>
         </p:spPr>
       </p:pic>
+      <p:pic>
+        <p:nvPicPr>
+          <p:cNvPr id="6" name="Picture 5" descr="A screenshot of a cell phone&#10;&#10;Description automatically generated">
+            <a:extLst>
+              <a:ext uri="{FF2B5EF4-FFF2-40B4-BE49-F238E27FC236}">
+                <a16:creationId xmlns:a16="http://schemas.microsoft.com/office/drawing/2014/main" xmlns="" id="{12805C2C-29F0-244E-B1A4-4460CDB43D19}"/>
+              </a:ext>
+            </a:extLst>
+          </p:cNvPr>
+          <p:cNvPicPr>
+            <a:picLocks noChangeAspect="1"/>
+          </p:cNvPicPr>
+          <p:nvPr/>
+        </p:nvPicPr>
+        <p:blipFill>
+          <a:blip r:embed="rId3"/>
+          <a:stretch>
+            <a:fillRect/>
+          </a:stretch>
+        </p:blipFill>
+        <p:spPr>
+          <a:xfrm>
+            <a:off x="1840201" y="2295497"/>
+            <a:ext cx="8511598" cy="4216857"/>
+          </a:xfrm>
+          <a:prstGeom prst="rect">
+            <a:avLst/>
+          </a:prstGeom>
+        </p:spPr>
+      </p:pic>
+      <p:pic>
+        <p:nvPicPr>
+          <p:cNvPr id="8" name="Picture 7" descr="A close up of a logo&#10;&#10;Description automatically generated">
+            <a:extLst>
+              <a:ext uri="{FF2B5EF4-FFF2-40B4-BE49-F238E27FC236}">
+                <a16:creationId xmlns:a16="http://schemas.microsoft.com/office/drawing/2014/main" xmlns="" id="{37DF019B-D68F-B94F-88A5-6BC7D7643BC2}"/>
+              </a:ext>
+            </a:extLst>
+          </p:cNvPr>
+          <p:cNvPicPr>
+            <a:picLocks noChangeAspect="1"/>
+          </p:cNvPicPr>
+          <p:nvPr/>
+        </p:nvPicPr>
+        <p:blipFill>
+          <a:blip r:embed="rId4"/>
+          <a:stretch>
+            <a:fillRect/>
+          </a:stretch>
+        </p:blipFill>
+        <p:spPr>
+          <a:xfrm>
+            <a:off x="1186249" y="4127157"/>
+            <a:ext cx="10392031" cy="2286343"/>
+          </a:xfrm>
+          <a:prstGeom prst="rect">
+            <a:avLst/>
+          </a:prstGeom>
+        </p:spPr>
+      </p:pic>
     </p:spTree>
     <p:extLst>
       <p:ext uri="{BB962C8B-B14F-4D97-AF65-F5344CB8AC3E}">
-        <p14:creationId xmlns:p14="http://schemas.microsoft.com/office/powerpoint/2010/main" val="1786963179"/>
+        <p14:creationId xmlns:p14="http://schemas.microsoft.com/office/powerpoint/2010/main" val="2135087828"/>
       </p:ext>
     </p:extLst>
   </p:cSld>
   <p:clrMapOvr>
     <a:masterClrMapping/>
   </p:clrMapOvr>
+  <p:timing>
+    <p:tnLst>
+      <p:par>
+        <p:cTn id="1" dur="indefinite" restart="never" nodeType="tmRoot"/>
+      </p:par>
+    </p:tnLst>
+  </p:timing>
 </p:sld>
 </file>
 
@@ -4364,28 +5656,58 @@
       </p:pic>
       <p:pic>
         <p:nvPicPr>
-          <p:cNvPr id="3" name="Picture 2"/>
+          <p:cNvPr id="6" name="Picture 5" descr="A screenshot of a cell phone&#10;&#10;Description automatically generated">
+            <a:extLst>
+              <a:ext uri="{FF2B5EF4-FFF2-40B4-BE49-F238E27FC236}">
+                <a16:creationId xmlns:a16="http://schemas.microsoft.com/office/drawing/2014/main" xmlns="" id="{12805C2C-29F0-244E-B1A4-4460CDB43D19}"/>
+              </a:ext>
+            </a:extLst>
+          </p:cNvPr>
           <p:cNvPicPr>
             <a:picLocks noChangeAspect="1"/>
           </p:cNvPicPr>
           <p:nvPr/>
         </p:nvPicPr>
         <p:blipFill>
-          <a:blip r:embed="rId3">
-            <a:extLst>
-              <a:ext uri="{28A0092B-C50C-407E-A947-70E740481C1C}">
-                <a14:useLocalDpi xmlns:a14="http://schemas.microsoft.com/office/drawing/2010/main" val="0"/>
-              </a:ext>
-            </a:extLst>
-          </a:blip>
+          <a:blip r:embed="rId3"/>
           <a:stretch>
             <a:fillRect/>
           </a:stretch>
         </p:blipFill>
         <p:spPr>
           <a:xfrm>
-            <a:off x="1462298" y="2328340"/>
-            <a:ext cx="9662085" cy="4133419"/>
+            <a:off x="1840201" y="2295497"/>
+            <a:ext cx="8511598" cy="4216857"/>
+          </a:xfrm>
+          <a:prstGeom prst="rect">
+            <a:avLst/>
+          </a:prstGeom>
+        </p:spPr>
+      </p:pic>
+      <p:pic>
+        <p:nvPicPr>
+          <p:cNvPr id="8" name="Picture 7" descr="A close up of a logo&#10;&#10;Description automatically generated">
+            <a:extLst>
+              <a:ext uri="{FF2B5EF4-FFF2-40B4-BE49-F238E27FC236}">
+                <a16:creationId xmlns:a16="http://schemas.microsoft.com/office/drawing/2014/main" xmlns="" id="{37DF019B-D68F-B94F-88A5-6BC7D7643BC2}"/>
+              </a:ext>
+            </a:extLst>
+          </p:cNvPr>
+          <p:cNvPicPr>
+            <a:picLocks noChangeAspect="1"/>
+          </p:cNvPicPr>
+          <p:nvPr/>
+        </p:nvPicPr>
+        <p:blipFill>
+          <a:blip r:embed="rId4"/>
+          <a:stretch>
+            <a:fillRect/>
+          </a:stretch>
+        </p:blipFill>
+        <p:spPr>
+          <a:xfrm>
+            <a:off x="1186249" y="4782065"/>
+            <a:ext cx="10392031" cy="1631435"/>
           </a:xfrm>
           <a:prstGeom prst="rect">
             <a:avLst/>
@@ -4395,13 +5717,20 @@
     </p:spTree>
     <p:extLst>
       <p:ext uri="{BB962C8B-B14F-4D97-AF65-F5344CB8AC3E}">
-        <p14:creationId xmlns:p14="http://schemas.microsoft.com/office/powerpoint/2010/main" val="110871908"/>
+        <p14:creationId xmlns:p14="http://schemas.microsoft.com/office/powerpoint/2010/main" val="456848925"/>
       </p:ext>
     </p:extLst>
   </p:cSld>
   <p:clrMapOvr>
     <a:masterClrMapping/>
   </p:clrMapOvr>
+  <p:timing>
+    <p:tnLst>
+      <p:par>
+        <p:cTn id="1" dur="indefinite" restart="never" nodeType="tmRoot"/>
+      </p:par>
+    </p:tnLst>
+  </p:timing>
 </p:sld>
 </file>
 
@@ -4454,167 +5783,81 @@
       </p:pic>
       <p:pic>
         <p:nvPicPr>
-          <p:cNvPr id="3" name="Picture 2"/>
+          <p:cNvPr id="6" name="Picture 5" descr="A screenshot of a cell phone&#10;&#10;Description automatically generated">
+            <a:extLst>
+              <a:ext uri="{FF2B5EF4-FFF2-40B4-BE49-F238E27FC236}">
+                <a16:creationId xmlns:a16="http://schemas.microsoft.com/office/drawing/2014/main" xmlns="" id="{12805C2C-29F0-244E-B1A4-4460CDB43D19}"/>
+              </a:ext>
+            </a:extLst>
+          </p:cNvPr>
           <p:cNvPicPr>
             <a:picLocks noChangeAspect="1"/>
           </p:cNvPicPr>
           <p:nvPr/>
         </p:nvPicPr>
         <p:blipFill>
-          <a:blip r:embed="rId3">
-            <a:extLst>
-              <a:ext uri="{28A0092B-C50C-407E-A947-70E740481C1C}">
-                <a14:useLocalDpi xmlns:a14="http://schemas.microsoft.com/office/drawing/2010/main" val="0"/>
-              </a:ext>
-            </a:extLst>
-          </a:blip>
+          <a:blip r:embed="rId3"/>
           <a:stretch>
             <a:fillRect/>
           </a:stretch>
         </p:blipFill>
         <p:spPr>
           <a:xfrm>
-            <a:off x="1462298" y="2328340"/>
-            <a:ext cx="9662085" cy="4133419"/>
+            <a:off x="1840201" y="2295497"/>
+            <a:ext cx="8511598" cy="4216857"/>
           </a:xfrm>
           <a:prstGeom prst="rect">
             <a:avLst/>
           </a:prstGeom>
         </p:spPr>
       </p:pic>
-      <p:sp>
-        <p:nvSpPr>
-          <p:cNvPr id="4" name="Oval 3"/>
-          <p:cNvSpPr/>
+      <p:pic>
+        <p:nvPicPr>
+          <p:cNvPr id="8" name="Picture 7" descr="A close up of a logo&#10;&#10;Description automatically generated">
+            <a:extLst>
+              <a:ext uri="{FF2B5EF4-FFF2-40B4-BE49-F238E27FC236}">
+                <a16:creationId xmlns:a16="http://schemas.microsoft.com/office/drawing/2014/main" xmlns="" id="{37DF019B-D68F-B94F-88A5-6BC7D7643BC2}"/>
+              </a:ext>
+            </a:extLst>
+          </p:cNvPr>
+          <p:cNvPicPr>
+            <a:picLocks noChangeAspect="1"/>
+          </p:cNvPicPr>
           <p:nvPr/>
-        </p:nvSpPr>
-        <p:spPr>
-          <a:xfrm>
-            <a:off x="6842760" y="746760"/>
-            <a:ext cx="3093720" cy="640080"/>
-          </a:xfrm>
-          <a:prstGeom prst="ellipse">
+        </p:nvPicPr>
+        <p:blipFill>
+          <a:blip r:embed="rId4"/>
+          <a:stretch>
+            <a:fillRect/>
+          </a:stretch>
+        </p:blipFill>
+        <p:spPr>
+          <a:xfrm>
+            <a:off x="1186249" y="5350476"/>
+            <a:ext cx="10392031" cy="1063024"/>
+          </a:xfrm>
+          <a:prstGeom prst="rect">
             <a:avLst/>
           </a:prstGeom>
-          <a:noFill/>
-        </p:spPr>
-        <p:style>
-          <a:lnRef idx="2">
-            <a:schemeClr val="accent1">
-              <a:shade val="50000"/>
-            </a:schemeClr>
-          </a:lnRef>
-          <a:fillRef idx="1">
-            <a:schemeClr val="accent1"/>
-          </a:fillRef>
-          <a:effectRef idx="0">
-            <a:schemeClr val="accent1"/>
-          </a:effectRef>
-          <a:fontRef idx="minor">
-            <a:schemeClr val="lt1"/>
-          </a:fontRef>
-        </p:style>
-        <p:txBody>
-          <a:bodyPr rtlCol="0" anchor="ctr"/>
-          <a:lstStyle/>
-          <a:p>
-            <a:pPr algn="ctr"/>
-            <a:endParaRPr lang="en-US"/>
-          </a:p>
-        </p:txBody>
-      </p:sp>
-      <p:sp>
-        <p:nvSpPr>
-          <p:cNvPr id="6" name="Oval 5"/>
-          <p:cNvSpPr/>
-          <p:nvPr/>
-        </p:nvSpPr>
-        <p:spPr>
-          <a:xfrm>
-            <a:off x="4297680" y="2164080"/>
-            <a:ext cx="4312920" cy="944880"/>
-          </a:xfrm>
-          <a:prstGeom prst="ellipse">
-            <a:avLst/>
-          </a:prstGeom>
-          <a:noFill/>
-        </p:spPr>
-        <p:style>
-          <a:lnRef idx="2">
-            <a:schemeClr val="accent1">
-              <a:shade val="50000"/>
-            </a:schemeClr>
-          </a:lnRef>
-          <a:fillRef idx="1">
-            <a:schemeClr val="accent1"/>
-          </a:fillRef>
-          <a:effectRef idx="0">
-            <a:schemeClr val="accent1"/>
-          </a:effectRef>
-          <a:fontRef idx="minor">
-            <a:schemeClr val="lt1"/>
-          </a:fontRef>
-        </p:style>
-        <p:txBody>
-          <a:bodyPr rtlCol="0" anchor="ctr"/>
-          <a:lstStyle/>
-          <a:p>
-            <a:pPr algn="ctr"/>
-            <a:endParaRPr lang="en-US"/>
-          </a:p>
-        </p:txBody>
-      </p:sp>
-      <p:sp>
-        <p:nvSpPr>
-          <p:cNvPr id="7" name="Right Arrow 6"/>
-          <p:cNvSpPr/>
-          <p:nvPr/>
-        </p:nvSpPr>
-        <p:spPr>
-          <a:xfrm rot="6952290">
-            <a:off x="7223411" y="1494759"/>
-            <a:ext cx="664438" cy="630108"/>
-          </a:xfrm>
-          <a:prstGeom prst="rightArrow">
-            <a:avLst/>
-          </a:prstGeom>
-          <a:noFill/>
-        </p:spPr>
-        <p:style>
-          <a:lnRef idx="2">
-            <a:schemeClr val="accent1">
-              <a:shade val="50000"/>
-            </a:schemeClr>
-          </a:lnRef>
-          <a:fillRef idx="1">
-            <a:schemeClr val="accent1"/>
-          </a:fillRef>
-          <a:effectRef idx="0">
-            <a:schemeClr val="accent1"/>
-          </a:effectRef>
-          <a:fontRef idx="minor">
-            <a:schemeClr val="lt1"/>
-          </a:fontRef>
-        </p:style>
-        <p:txBody>
-          <a:bodyPr rtlCol="0" anchor="ctr"/>
-          <a:lstStyle/>
-          <a:p>
-            <a:pPr algn="ctr"/>
-            <a:endParaRPr lang="en-US"/>
-          </a:p>
-        </p:txBody>
-      </p:sp>
+        </p:spPr>
+      </p:pic>
     </p:spTree>
     <p:extLst>
       <p:ext uri="{BB962C8B-B14F-4D97-AF65-F5344CB8AC3E}">
-        <p14:creationId xmlns:p14="http://schemas.microsoft.com/office/powerpoint/2010/main" val="528145033"/>
+        <p14:creationId xmlns:p14="http://schemas.microsoft.com/office/powerpoint/2010/main" val="379844570"/>
       </p:ext>
     </p:extLst>
   </p:cSld>
   <p:clrMapOvr>
     <a:masterClrMapping/>
   </p:clrMapOvr>
+  <p:timing>
+    <p:tnLst>
+      <p:par>
+        <p:cTn id="1" dur="indefinite" restart="never" nodeType="tmRoot"/>
+      </p:par>
+    </p:tnLst>
+  </p:timing>
 </p:sld>
 </file>
 
